--- a/doc/source/NoveltyVsUtility.pptx
+++ b/doc/source/NoveltyVsUtility.pptx
@@ -6,6 +6,7 @@
   </p:sldMasterIdLst>
   <p:sldIdLst>
     <p:sldId id="257" r:id="rId2"/>
+    <p:sldId id="258" r:id="rId3"/>
   </p:sldIdLst>
   <p:sldSz cx="9144000" cy="6858000" type="screen4x3"/>
   <p:notesSz cx="6858000" cy="9144000"/>
@@ -4414,6 +4415,989 @@
     <p:extLst>
       <p:ext uri="{BB962C8B-B14F-4D97-AF65-F5344CB8AC3E}">
         <p14:creationId xmlns:p14="http://schemas.microsoft.com/office/powerpoint/2010/main" val="943429774"/>
+      </p:ext>
+    </p:extLst>
+  </p:cSld>
+  <p:clrMapOvr>
+    <a:masterClrMapping/>
+  </p:clrMapOvr>
+  <p:timing>
+    <p:tnLst>
+      <p:par>
+        <p:cTn id="1" dur="indefinite" restart="never" nodeType="tmRoot"/>
+      </p:par>
+    </p:tnLst>
+  </p:timing>
+</p:sld>
+</file>
+
+<file path=ppt/slides/slide2.xml><?xml version="1.0" encoding="utf-8"?>
+<p:sld xmlns:a="http://schemas.openxmlformats.org/drawingml/2006/main" xmlns:r="http://schemas.openxmlformats.org/officeDocument/2006/relationships" xmlns:p="http://schemas.openxmlformats.org/presentationml/2006/main">
+  <p:cSld>
+    <p:spTree>
+      <p:nvGrpSpPr>
+        <p:cNvPr id="1" name=""/>
+        <p:cNvGrpSpPr/>
+        <p:nvPr/>
+      </p:nvGrpSpPr>
+      <p:grpSpPr>
+        <a:xfrm>
+          <a:off x="0" y="0"/>
+          <a:ext cx="0" cy="0"/>
+          <a:chOff x="0" y="0"/>
+          <a:chExt cx="0" cy="0"/>
+        </a:xfrm>
+      </p:grpSpPr>
+      <p:pic>
+        <p:nvPicPr>
+          <p:cNvPr id="1026" name="Picture 2" descr="https://upload.wikimedia.org/wikipedia/commons/e/ef/Watercan.png"/>
+          <p:cNvPicPr>
+            <a:picLocks noChangeAspect="1" noChangeArrowheads="1"/>
+          </p:cNvPicPr>
+          <p:nvPr/>
+        </p:nvPicPr>
+        <p:blipFill>
+          <a:blip r:embed="rId2" cstate="print">
+            <a:extLst>
+              <a:ext uri="{28A0092B-C50C-407E-A947-70E740481C1C}">
+                <a14:useLocalDpi xmlns:a14="http://schemas.microsoft.com/office/drawing/2010/main" val="0"/>
+              </a:ext>
+            </a:extLst>
+          </a:blip>
+          <a:srcRect/>
+          <a:stretch>
+            <a:fillRect/>
+          </a:stretch>
+        </p:blipFill>
+        <p:spPr bwMode="auto">
+          <a:xfrm rot="4255836">
+            <a:off x="7156875" y="4547792"/>
+            <a:ext cx="550754" cy="309212"/>
+          </a:xfrm>
+          <a:prstGeom prst="rect">
+            <a:avLst/>
+          </a:prstGeom>
+          <a:noFill/>
+          <a:extLst>
+            <a:ext uri="{909E8E84-426E-40DD-AFC4-6F175D3DCCD1}">
+              <a14:hiddenFill xmlns:a14="http://schemas.microsoft.com/office/drawing/2010/main">
+                <a:solidFill>
+                  <a:srgbClr val="FFFFFF"/>
+                </a:solidFill>
+              </a14:hiddenFill>
+            </a:ext>
+          </a:extLst>
+        </p:spPr>
+      </p:pic>
+      <p:pic>
+        <p:nvPicPr>
+          <p:cNvPr id="1028" name="Picture 4" descr="http://01.gatag.net/img/201506/13l/gatag-00007036.jpg"/>
+          <p:cNvPicPr>
+            <a:picLocks noChangeAspect="1" noChangeArrowheads="1"/>
+          </p:cNvPicPr>
+          <p:nvPr/>
+        </p:nvPicPr>
+        <p:blipFill>
+          <a:blip r:embed="rId3" cstate="print">
+            <a:extLst>
+              <a:ext uri="{28A0092B-C50C-407E-A947-70E740481C1C}">
+                <a14:useLocalDpi xmlns:a14="http://schemas.microsoft.com/office/drawing/2010/main" val="0"/>
+              </a:ext>
+            </a:extLst>
+          </a:blip>
+          <a:srcRect/>
+          <a:stretch>
+            <a:fillRect/>
+          </a:stretch>
+        </p:blipFill>
+        <p:spPr bwMode="auto">
+          <a:xfrm rot="5952441">
+            <a:off x="7551497" y="4823670"/>
+            <a:ext cx="364549" cy="365262"/>
+          </a:xfrm>
+          <a:prstGeom prst="rect">
+            <a:avLst/>
+          </a:prstGeom>
+          <a:noFill/>
+          <a:extLst>
+            <a:ext uri="{909E8E84-426E-40DD-AFC4-6F175D3DCCD1}">
+              <a14:hiddenFill xmlns:a14="http://schemas.microsoft.com/office/drawing/2010/main">
+                <a:solidFill>
+                  <a:srgbClr val="FFFFFF"/>
+                </a:solidFill>
+              </a14:hiddenFill>
+            </a:ext>
+          </a:extLst>
+        </p:spPr>
+      </p:pic>
+      <p:pic>
+        <p:nvPicPr>
+          <p:cNvPr id="1029" name="Picture 5" descr="C:\Users\mito\AppData\Local\Microsoft\Windows\INetCache\IE\4IVWR7FM\Beech_seedling[1].jpg"/>
+          <p:cNvPicPr>
+            <a:picLocks noChangeAspect="1" noChangeArrowheads="1"/>
+          </p:cNvPicPr>
+          <p:nvPr/>
+        </p:nvPicPr>
+        <p:blipFill>
+          <a:blip r:embed="rId4" cstate="print">
+            <a:extLst>
+              <a:ext uri="{28A0092B-C50C-407E-A947-70E740481C1C}">
+                <a14:useLocalDpi xmlns:a14="http://schemas.microsoft.com/office/drawing/2010/main" val="0"/>
+              </a:ext>
+            </a:extLst>
+          </a:blip>
+          <a:srcRect/>
+          <a:stretch>
+            <a:fillRect/>
+          </a:stretch>
+        </p:blipFill>
+        <p:spPr bwMode="auto">
+          <a:xfrm>
+            <a:off x="5580112" y="4433987"/>
+            <a:ext cx="632607" cy="632607"/>
+          </a:xfrm>
+          <a:prstGeom prst="rect">
+            <a:avLst/>
+          </a:prstGeom>
+          <a:noFill/>
+          <a:extLst>
+            <a:ext uri="{909E8E84-426E-40DD-AFC4-6F175D3DCCD1}">
+              <a14:hiddenFill xmlns:a14="http://schemas.microsoft.com/office/drawing/2010/main">
+                <a:solidFill>
+                  <a:srgbClr val="FFFFFF"/>
+                </a:solidFill>
+              </a14:hiddenFill>
+            </a:ext>
+          </a:extLst>
+        </p:spPr>
+      </p:pic>
+      <p:pic>
+        <p:nvPicPr>
+          <p:cNvPr id="1030" name="Picture 6" descr="C:\Users\mito\AppData\Local\Microsoft\Windows\INetCache\IE\T3MV1H2R\Mango_TommyAtkins04_Asit[1].jpg"/>
+          <p:cNvPicPr>
+            <a:picLocks noChangeAspect="1" noChangeArrowheads="1"/>
+          </p:cNvPicPr>
+          <p:nvPr/>
+        </p:nvPicPr>
+        <p:blipFill>
+          <a:blip r:embed="rId5" cstate="print">
+            <a:extLst>
+              <a:ext uri="{28A0092B-C50C-407E-A947-70E740481C1C}">
+                <a14:useLocalDpi xmlns:a14="http://schemas.microsoft.com/office/drawing/2010/main" val="0"/>
+              </a:ext>
+            </a:extLst>
+          </a:blip>
+          <a:srcRect/>
+          <a:stretch>
+            <a:fillRect/>
+          </a:stretch>
+        </p:blipFill>
+        <p:spPr bwMode="auto">
+          <a:xfrm>
+            <a:off x="3419872" y="4133182"/>
+            <a:ext cx="1244548" cy="933411"/>
+          </a:xfrm>
+          <a:prstGeom prst="rect">
+            <a:avLst/>
+          </a:prstGeom>
+          <a:noFill/>
+          <a:extLst>
+            <a:ext uri="{909E8E84-426E-40DD-AFC4-6F175D3DCCD1}">
+              <a14:hiddenFill xmlns:a14="http://schemas.microsoft.com/office/drawing/2010/main">
+                <a:solidFill>
+                  <a:srgbClr val="FFFFFF"/>
+                </a:solidFill>
+              </a14:hiddenFill>
+            </a:ext>
+          </a:extLst>
+        </p:spPr>
+      </p:pic>
+      <p:pic>
+        <p:nvPicPr>
+          <p:cNvPr id="1031" name="Picture 7" descr="C:\Users\mito\AppData\Local\Microsoft\Windows\INetCache\IE\4IVWR7FM\DSC_0161[1].JPG"/>
+          <p:cNvPicPr>
+            <a:picLocks noChangeAspect="1" noChangeArrowheads="1"/>
+          </p:cNvPicPr>
+          <p:nvPr/>
+        </p:nvPicPr>
+        <p:blipFill>
+          <a:blip r:embed="rId6" cstate="print">
+            <a:extLst>
+              <a:ext uri="{28A0092B-C50C-407E-A947-70E740481C1C}">
+                <a14:useLocalDpi xmlns:a14="http://schemas.microsoft.com/office/drawing/2010/main" val="0"/>
+              </a:ext>
+            </a:extLst>
+          </a:blip>
+          <a:srcRect/>
+          <a:stretch>
+            <a:fillRect/>
+          </a:stretch>
+        </p:blipFill>
+        <p:spPr bwMode="auto">
+          <a:xfrm>
+            <a:off x="1164190" y="3870340"/>
+            <a:ext cx="1787122" cy="1196255"/>
+          </a:xfrm>
+          <a:prstGeom prst="rect">
+            <a:avLst/>
+          </a:prstGeom>
+          <a:noFill/>
+          <a:extLst>
+            <a:ext uri="{909E8E84-426E-40DD-AFC4-6F175D3DCCD1}">
+              <a14:hiddenFill xmlns:a14="http://schemas.microsoft.com/office/drawing/2010/main">
+                <a:solidFill>
+                  <a:srgbClr val="FFFFFF"/>
+                </a:solidFill>
+              </a14:hiddenFill>
+            </a:ext>
+          </a:extLst>
+        </p:spPr>
+      </p:pic>
+      <p:sp>
+        <p:nvSpPr>
+          <p:cNvPr id="15" name="テキスト ボックス 14"/>
+          <p:cNvSpPr txBox="1"/>
+          <p:nvPr/>
+        </p:nvSpPr>
+        <p:spPr>
+          <a:xfrm>
+            <a:off x="3347864" y="3563724"/>
+            <a:ext cx="1338828" cy="369332"/>
+          </a:xfrm>
+          <a:prstGeom prst="rect">
+            <a:avLst/>
+          </a:prstGeom>
+          <a:noFill/>
+        </p:spPr>
+        <p:txBody>
+          <a:bodyPr wrap="none" rtlCol="0">
+            <a:spAutoFit/>
+          </a:bodyPr>
+          <a:lstStyle/>
+          <a:p>
+            <a:r>
+              <a:rPr lang="ja-JP" altLang="en-US" dirty="0" smtClean="0"/>
+              <a:t>近代的技術</a:t>
+            </a:r>
+            <a:endParaRPr kumimoji="1" lang="ja-JP" altLang="en-US" dirty="0"/>
+          </a:p>
+        </p:txBody>
+      </p:sp>
+      <p:sp>
+        <p:nvSpPr>
+          <p:cNvPr id="16" name="テキスト ボックス 15"/>
+          <p:cNvSpPr txBox="1"/>
+          <p:nvPr/>
+        </p:nvSpPr>
+        <p:spPr>
+          <a:xfrm>
+            <a:off x="5436096" y="3923764"/>
+            <a:ext cx="877163" cy="369332"/>
+          </a:xfrm>
+          <a:prstGeom prst="rect">
+            <a:avLst/>
+          </a:prstGeom>
+          <a:noFill/>
+        </p:spPr>
+        <p:txBody>
+          <a:bodyPr wrap="none" rtlCol="0">
+            <a:spAutoFit/>
+          </a:bodyPr>
+          <a:lstStyle/>
+          <a:p>
+            <a:r>
+              <a:rPr lang="ja-JP" altLang="en-US" dirty="0" smtClean="0"/>
+              <a:t>実用化</a:t>
+            </a:r>
+            <a:endParaRPr lang="en-US" altLang="ja-JP" dirty="0" smtClean="0"/>
+          </a:p>
+        </p:txBody>
+      </p:sp>
+      <p:sp>
+        <p:nvSpPr>
+          <p:cNvPr id="10" name="テキスト ボックス 9"/>
+          <p:cNvSpPr txBox="1"/>
+          <p:nvPr/>
+        </p:nvSpPr>
+        <p:spPr>
+          <a:xfrm>
+            <a:off x="251520" y="5600273"/>
+            <a:ext cx="1316899" cy="369332"/>
+          </a:xfrm>
+          <a:prstGeom prst="rect">
+            <a:avLst/>
+          </a:prstGeom>
+          <a:noFill/>
+        </p:spPr>
+        <p:txBody>
+          <a:bodyPr wrap="none" rtlCol="0">
+            <a:spAutoFit/>
+          </a:bodyPr>
+          <a:lstStyle/>
+          <a:p>
+            <a:r>
+              <a:rPr kumimoji="1" lang="en-US" altLang="ja-JP" dirty="0" smtClean="0"/>
+              <a:t>FORTRAN77</a:t>
+            </a:r>
+          </a:p>
+        </p:txBody>
+      </p:sp>
+      <p:sp>
+        <p:nvSpPr>
+          <p:cNvPr id="18" name="テキスト ボックス 17"/>
+          <p:cNvSpPr txBox="1"/>
+          <p:nvPr/>
+        </p:nvSpPr>
+        <p:spPr>
+          <a:xfrm>
+            <a:off x="2073869" y="5609565"/>
+            <a:ext cx="1778051" cy="369332"/>
+          </a:xfrm>
+          <a:prstGeom prst="rect">
+            <a:avLst/>
+          </a:prstGeom>
+          <a:noFill/>
+        </p:spPr>
+        <p:txBody>
+          <a:bodyPr wrap="none" rtlCol="0">
+            <a:spAutoFit/>
+          </a:bodyPr>
+          <a:lstStyle/>
+          <a:p>
+            <a:r>
+              <a:rPr kumimoji="1" lang="ja-JP" altLang="en-US" dirty="0" smtClean="0"/>
+              <a:t>オブジェクト指向</a:t>
+            </a:r>
+            <a:endParaRPr kumimoji="1" lang="en-US" altLang="ja-JP" dirty="0" smtClean="0"/>
+          </a:p>
+        </p:txBody>
+      </p:sp>
+      <p:sp>
+        <p:nvSpPr>
+          <p:cNvPr id="19" name="テキスト ボックス 18"/>
+          <p:cNvSpPr txBox="1"/>
+          <p:nvPr/>
+        </p:nvSpPr>
+        <p:spPr>
+          <a:xfrm>
+            <a:off x="4046049" y="5600273"/>
+            <a:ext cx="2254143" cy="369332"/>
+          </a:xfrm>
+          <a:prstGeom prst="rect">
+            <a:avLst/>
+          </a:prstGeom>
+          <a:noFill/>
+        </p:spPr>
+        <p:txBody>
+          <a:bodyPr wrap="none" rtlCol="0">
+            <a:spAutoFit/>
+          </a:bodyPr>
+          <a:lstStyle/>
+          <a:p>
+            <a:r>
+              <a:rPr lang="ja-JP" altLang="en-US" dirty="0" smtClean="0"/>
+              <a:t>関数型プログラミング</a:t>
+            </a:r>
+            <a:endParaRPr kumimoji="1" lang="en-US" altLang="ja-JP" dirty="0" smtClean="0"/>
+          </a:p>
+        </p:txBody>
+      </p:sp>
+      <p:sp>
+        <p:nvSpPr>
+          <p:cNvPr id="20" name="テキスト ボックス 19"/>
+          <p:cNvSpPr txBox="1"/>
+          <p:nvPr/>
+        </p:nvSpPr>
+        <p:spPr>
+          <a:xfrm>
+            <a:off x="755576" y="6095037"/>
+            <a:ext cx="2970180" cy="646331"/>
+          </a:xfrm>
+          <a:prstGeom prst="rect">
+            <a:avLst/>
+          </a:prstGeom>
+          <a:noFill/>
+        </p:spPr>
+        <p:txBody>
+          <a:bodyPr wrap="square" rtlCol="0">
+            <a:spAutoFit/>
+          </a:bodyPr>
+          <a:lstStyle/>
+          <a:p>
+            <a:r>
+              <a:rPr lang="ja-JP" altLang="en-US" dirty="0" smtClean="0"/>
+              <a:t>手動チューニング</a:t>
+            </a:r>
+            <a:endParaRPr lang="en-US" altLang="ja-JP" dirty="0" smtClean="0"/>
+          </a:p>
+          <a:p>
+            <a:r>
+              <a:rPr kumimoji="1" lang="ja-JP" altLang="en-US" dirty="0" smtClean="0"/>
+              <a:t>チューニングされたライブラリ</a:t>
+            </a:r>
+            <a:endParaRPr kumimoji="1" lang="en-US" altLang="ja-JP" dirty="0" smtClean="0"/>
+          </a:p>
+        </p:txBody>
+      </p:sp>
+      <p:sp>
+        <p:nvSpPr>
+          <p:cNvPr id="22" name="テキスト ボックス 21"/>
+          <p:cNvSpPr txBox="1"/>
+          <p:nvPr/>
+        </p:nvSpPr>
+        <p:spPr>
+          <a:xfrm>
+            <a:off x="6799019" y="5539298"/>
+            <a:ext cx="1877437" cy="553998"/>
+          </a:xfrm>
+          <a:prstGeom prst="rect">
+            <a:avLst/>
+          </a:prstGeom>
+          <a:noFill/>
+        </p:spPr>
+        <p:txBody>
+          <a:bodyPr wrap="none" rtlCol="0">
+            <a:spAutoFit/>
+          </a:bodyPr>
+          <a:lstStyle/>
+          <a:p>
+            <a:pPr algn="ctr"/>
+            <a:r>
+              <a:rPr kumimoji="1" lang="ja-JP" altLang="en-US" dirty="0" smtClean="0"/>
+              <a:t>新言語</a:t>
+            </a:r>
+            <a:endParaRPr kumimoji="1" lang="en-US" altLang="ja-JP" dirty="0" smtClean="0"/>
+          </a:p>
+          <a:p>
+            <a:pPr algn="ctr"/>
+            <a:r>
+              <a:rPr lang="ja-JP" altLang="en-US" sz="1200" dirty="0" smtClean="0"/>
+              <a:t>（独立型の領域特化言語）</a:t>
+            </a:r>
+            <a:endParaRPr kumimoji="1" lang="en-US" altLang="ja-JP" sz="1200" dirty="0" smtClean="0"/>
+          </a:p>
+        </p:txBody>
+      </p:sp>
+      <p:sp>
+        <p:nvSpPr>
+          <p:cNvPr id="23" name="テキスト ボックス 22"/>
+          <p:cNvSpPr txBox="1"/>
+          <p:nvPr/>
+        </p:nvSpPr>
+        <p:spPr>
+          <a:xfrm>
+            <a:off x="7020651" y="3790781"/>
+            <a:ext cx="1330814" cy="646331"/>
+          </a:xfrm>
+          <a:prstGeom prst="rect">
+            <a:avLst/>
+          </a:prstGeom>
+          <a:noFill/>
+        </p:spPr>
+        <p:txBody>
+          <a:bodyPr wrap="none" rtlCol="0">
+            <a:spAutoFit/>
+          </a:bodyPr>
+          <a:lstStyle/>
+          <a:p>
+            <a:pPr algn="ctr"/>
+            <a:r>
+              <a:rPr lang="ja-JP" altLang="en-US" dirty="0" smtClean="0"/>
+              <a:t>研究の</a:t>
+            </a:r>
+            <a:endParaRPr lang="en-US" altLang="ja-JP" dirty="0" smtClean="0"/>
+          </a:p>
+          <a:p>
+            <a:pPr algn="ctr"/>
+            <a:r>
+              <a:rPr lang="ja-JP" altLang="en-US" dirty="0" smtClean="0"/>
+              <a:t>フロンティア</a:t>
+            </a:r>
+            <a:endParaRPr lang="en-US" altLang="ja-JP" dirty="0" smtClean="0"/>
+          </a:p>
+        </p:txBody>
+      </p:sp>
+      <p:sp>
+        <p:nvSpPr>
+          <p:cNvPr id="24" name="テキスト ボックス 23"/>
+          <p:cNvSpPr txBox="1"/>
+          <p:nvPr/>
+        </p:nvSpPr>
+        <p:spPr>
+          <a:xfrm>
+            <a:off x="4427984" y="6095037"/>
+            <a:ext cx="3384376" cy="646331"/>
+          </a:xfrm>
+          <a:prstGeom prst="rect">
+            <a:avLst/>
+          </a:prstGeom>
+          <a:noFill/>
+        </p:spPr>
+        <p:txBody>
+          <a:bodyPr wrap="square" rtlCol="0">
+            <a:spAutoFit/>
+          </a:bodyPr>
+          <a:lstStyle/>
+          <a:p>
+            <a:pPr algn="ctr"/>
+            <a:r>
+              <a:rPr lang="ja-JP" altLang="en-US" dirty="0"/>
+              <a:t>自動並列化</a:t>
+            </a:r>
+            <a:r>
+              <a:rPr kumimoji="1" lang="ja-JP" altLang="en-US" dirty="0" smtClean="0"/>
+              <a:t>のための</a:t>
+            </a:r>
+            <a:endParaRPr kumimoji="1" lang="en-US" altLang="ja-JP" dirty="0" smtClean="0"/>
+          </a:p>
+          <a:p>
+            <a:pPr algn="ctr"/>
+            <a:r>
+              <a:rPr lang="ja-JP" altLang="en-US" dirty="0" smtClean="0"/>
+              <a:t>埋め込み型　領域特化言語</a:t>
+            </a:r>
+            <a:endParaRPr kumimoji="1" lang="en-US" altLang="ja-JP" dirty="0" smtClean="0"/>
+          </a:p>
+        </p:txBody>
+      </p:sp>
+      <p:sp>
+        <p:nvSpPr>
+          <p:cNvPr id="25" name="テキスト ボックス 24"/>
+          <p:cNvSpPr txBox="1"/>
+          <p:nvPr/>
+        </p:nvSpPr>
+        <p:spPr>
+          <a:xfrm>
+            <a:off x="1378596" y="3419708"/>
+            <a:ext cx="1321196" cy="369332"/>
+          </a:xfrm>
+          <a:prstGeom prst="rect">
+            <a:avLst/>
+          </a:prstGeom>
+          <a:noFill/>
+        </p:spPr>
+        <p:txBody>
+          <a:bodyPr wrap="none" rtlCol="0">
+            <a:spAutoFit/>
+          </a:bodyPr>
+          <a:lstStyle/>
+          <a:p>
+            <a:r>
+              <a:rPr lang="ja-JP" altLang="en-US" dirty="0" smtClean="0"/>
+              <a:t>枯れた技術</a:t>
+            </a:r>
+            <a:endParaRPr kumimoji="1" lang="ja-JP" altLang="en-US" dirty="0"/>
+          </a:p>
+        </p:txBody>
+      </p:sp>
+      <p:sp>
+        <p:nvSpPr>
+          <p:cNvPr id="12" name="角丸四角形 11"/>
+          <p:cNvSpPr/>
+          <p:nvPr/>
+        </p:nvSpPr>
+        <p:spPr>
+          <a:xfrm>
+            <a:off x="251520" y="3212976"/>
+            <a:ext cx="8640960" cy="3528392"/>
+          </a:xfrm>
+          <a:prstGeom prst="roundRect">
+            <a:avLst/>
+          </a:prstGeom>
+          <a:noFill/>
+          <a:ln>
+            <a:prstDash val="dash"/>
+          </a:ln>
+        </p:spPr>
+        <p:style>
+          <a:lnRef idx="2">
+            <a:schemeClr val="accent1">
+              <a:shade val="50000"/>
+            </a:schemeClr>
+          </a:lnRef>
+          <a:fillRef idx="1">
+            <a:schemeClr val="accent1"/>
+          </a:fillRef>
+          <a:effectRef idx="0">
+            <a:schemeClr val="accent1"/>
+          </a:effectRef>
+          <a:fontRef idx="minor">
+            <a:schemeClr val="lt1"/>
+          </a:fontRef>
+        </p:style>
+        <p:txBody>
+          <a:bodyPr rtlCol="0" anchor="ctr"/>
+          <a:lstStyle/>
+          <a:p>
+            <a:pPr algn="ctr"/>
+            <a:endParaRPr kumimoji="1" lang="ja-JP" altLang="en-US"/>
+          </a:p>
+        </p:txBody>
+      </p:sp>
+      <p:sp>
+        <p:nvSpPr>
+          <p:cNvPr id="7" name="右矢印 6"/>
+          <p:cNvSpPr/>
+          <p:nvPr/>
+        </p:nvSpPr>
+        <p:spPr>
+          <a:xfrm>
+            <a:off x="395536" y="5013176"/>
+            <a:ext cx="8352928" cy="692880"/>
+          </a:xfrm>
+          <a:prstGeom prst="rightArrow">
+            <a:avLst/>
+          </a:prstGeom>
+          <a:solidFill>
+            <a:schemeClr val="accent1">
+              <a:lumMod val="20000"/>
+              <a:lumOff val="80000"/>
+            </a:schemeClr>
+          </a:solidFill>
+          <a:ln>
+            <a:solidFill>
+              <a:srgbClr val="0070C0"/>
+            </a:solidFill>
+          </a:ln>
+        </p:spPr>
+        <p:style>
+          <a:lnRef idx="2">
+            <a:schemeClr val="accent1">
+              <a:shade val="50000"/>
+            </a:schemeClr>
+          </a:lnRef>
+          <a:fillRef idx="1">
+            <a:schemeClr val="accent1"/>
+          </a:fillRef>
+          <a:effectRef idx="0">
+            <a:schemeClr val="accent1"/>
+          </a:effectRef>
+          <a:fontRef idx="minor">
+            <a:schemeClr val="lt1"/>
+          </a:fontRef>
+        </p:style>
+        <p:txBody>
+          <a:bodyPr rtlCol="0" anchor="ctr"/>
+          <a:lstStyle/>
+          <a:p>
+            <a:pPr algn="ctr"/>
+            <a:r>
+              <a:rPr kumimoji="1" lang="ja-JP" altLang="en-US" b="1" dirty="0" smtClean="0">
+                <a:solidFill>
+                  <a:schemeClr val="tx1"/>
+                </a:solidFill>
+              </a:rPr>
+              <a:t>ソフトウェア工学</a:t>
+            </a:r>
+            <a:r>
+              <a:rPr lang="ja-JP" altLang="en-US" b="1" dirty="0" smtClean="0">
+                <a:solidFill>
+                  <a:schemeClr val="tx1"/>
+                </a:solidFill>
+              </a:rPr>
+              <a:t>の進歩</a:t>
+            </a:r>
+            <a:endParaRPr kumimoji="1" lang="ja-JP" altLang="en-US" b="1" dirty="0">
+              <a:solidFill>
+                <a:schemeClr val="tx1"/>
+              </a:solidFill>
+            </a:endParaRPr>
+          </a:p>
+        </p:txBody>
+      </p:sp>
+      <p:cxnSp>
+        <p:nvCxnSpPr>
+          <p:cNvPr id="9" name="直線矢印コネクタ 8"/>
+          <p:cNvCxnSpPr/>
+          <p:nvPr/>
+        </p:nvCxnSpPr>
+        <p:spPr>
+          <a:xfrm>
+            <a:off x="6804248" y="3068960"/>
+            <a:ext cx="0" cy="1944216"/>
+          </a:xfrm>
+          <a:prstGeom prst="straightConnector1">
+            <a:avLst/>
+          </a:prstGeom>
+          <a:ln w="38100">
+            <a:solidFill>
+              <a:schemeClr val="tx1"/>
+            </a:solidFill>
+            <a:tailEnd type="arrow"/>
+          </a:ln>
+        </p:spPr>
+        <p:style>
+          <a:lnRef idx="1">
+            <a:schemeClr val="accent1"/>
+          </a:lnRef>
+          <a:fillRef idx="0">
+            <a:schemeClr val="accent1"/>
+          </a:fillRef>
+          <a:effectRef idx="0">
+            <a:schemeClr val="accent1"/>
+          </a:effectRef>
+          <a:fontRef idx="minor">
+            <a:schemeClr val="tx1"/>
+          </a:fontRef>
+        </p:style>
+      </p:cxnSp>
+      <p:sp>
+        <p:nvSpPr>
+          <p:cNvPr id="13" name="テキスト ボックス 12"/>
+          <p:cNvSpPr txBox="1"/>
+          <p:nvPr/>
+        </p:nvSpPr>
+        <p:spPr>
+          <a:xfrm>
+            <a:off x="6040431" y="2420888"/>
+            <a:ext cx="2279791" cy="646331"/>
+          </a:xfrm>
+          <a:prstGeom prst="rect">
+            <a:avLst/>
+          </a:prstGeom>
+          <a:noFill/>
+          <a:ln>
+            <a:solidFill>
+              <a:schemeClr val="tx1"/>
+            </a:solidFill>
+          </a:ln>
+        </p:spPr>
+        <p:txBody>
+          <a:bodyPr wrap="none" rtlCol="0">
+            <a:spAutoFit/>
+          </a:bodyPr>
+          <a:lstStyle/>
+          <a:p>
+            <a:r>
+              <a:rPr kumimoji="1" lang="ja-JP" altLang="en-US" dirty="0" smtClean="0"/>
+              <a:t>研究として認められる</a:t>
+            </a:r>
+            <a:endParaRPr kumimoji="1" lang="en-US" altLang="ja-JP" dirty="0" smtClean="0"/>
+          </a:p>
+          <a:p>
+            <a:r>
+              <a:rPr lang="ja-JP" altLang="en-US" dirty="0" smtClean="0"/>
+              <a:t>ソフトウェア工学</a:t>
+            </a:r>
+            <a:endParaRPr kumimoji="1" lang="ja-JP" altLang="en-US" dirty="0"/>
+          </a:p>
+        </p:txBody>
+      </p:sp>
+      <p:sp>
+        <p:nvSpPr>
+          <p:cNvPr id="31" name="テキスト ボックス 30"/>
+          <p:cNvSpPr txBox="1"/>
+          <p:nvPr/>
+        </p:nvSpPr>
+        <p:spPr>
+          <a:xfrm>
+            <a:off x="611560" y="2422629"/>
+            <a:ext cx="3114196" cy="646331"/>
+          </a:xfrm>
+          <a:prstGeom prst="rect">
+            <a:avLst/>
+          </a:prstGeom>
+          <a:noFill/>
+          <a:ln>
+            <a:solidFill>
+              <a:schemeClr val="tx1"/>
+            </a:solidFill>
+          </a:ln>
+        </p:spPr>
+        <p:txBody>
+          <a:bodyPr wrap="square" rtlCol="0">
+            <a:spAutoFit/>
+          </a:bodyPr>
+          <a:lstStyle/>
+          <a:p>
+            <a:pPr algn="ctr"/>
+            <a:r>
+              <a:rPr lang="ja-JP" altLang="en-US" dirty="0" smtClean="0"/>
+              <a:t>計算科学で使われている</a:t>
+            </a:r>
+            <a:endParaRPr kumimoji="1" lang="en-US" altLang="ja-JP" dirty="0" smtClean="0"/>
+          </a:p>
+          <a:p>
+            <a:pPr algn="ctr"/>
+            <a:r>
+              <a:rPr lang="ja-JP" altLang="en-US" dirty="0" smtClean="0"/>
+              <a:t>ソフトウェア工学</a:t>
+            </a:r>
+            <a:endParaRPr kumimoji="1" lang="ja-JP" altLang="en-US" dirty="0"/>
+          </a:p>
+        </p:txBody>
+      </p:sp>
+      <p:cxnSp>
+        <p:nvCxnSpPr>
+          <p:cNvPr id="33" name="直線矢印コネクタ 32"/>
+          <p:cNvCxnSpPr/>
+          <p:nvPr/>
+        </p:nvCxnSpPr>
+        <p:spPr>
+          <a:xfrm>
+            <a:off x="3203848" y="3068960"/>
+            <a:ext cx="0" cy="1944216"/>
+          </a:xfrm>
+          <a:prstGeom prst="straightConnector1">
+            <a:avLst/>
+          </a:prstGeom>
+          <a:ln w="38100">
+            <a:solidFill>
+              <a:schemeClr val="tx1"/>
+            </a:solidFill>
+            <a:tailEnd type="arrow"/>
+          </a:ln>
+        </p:spPr>
+        <p:style>
+          <a:lnRef idx="1">
+            <a:schemeClr val="accent1"/>
+          </a:lnRef>
+          <a:fillRef idx="0">
+            <a:schemeClr val="accent1"/>
+          </a:fillRef>
+          <a:effectRef idx="0">
+            <a:schemeClr val="accent1"/>
+          </a:effectRef>
+          <a:fontRef idx="minor">
+            <a:schemeClr val="tx1"/>
+          </a:fontRef>
+        </p:style>
+      </p:cxnSp>
+      <p:cxnSp>
+        <p:nvCxnSpPr>
+          <p:cNvPr id="34" name="直線矢印コネクタ 33"/>
+          <p:cNvCxnSpPr/>
+          <p:nvPr/>
+        </p:nvCxnSpPr>
+        <p:spPr>
+          <a:xfrm>
+            <a:off x="827584" y="3068960"/>
+            <a:ext cx="0" cy="1944216"/>
+          </a:xfrm>
+          <a:prstGeom prst="straightConnector1">
+            <a:avLst/>
+          </a:prstGeom>
+          <a:ln w="38100">
+            <a:solidFill>
+              <a:schemeClr val="tx1"/>
+            </a:solidFill>
+            <a:tailEnd type="arrow"/>
+          </a:ln>
+        </p:spPr>
+        <p:style>
+          <a:lnRef idx="1">
+            <a:schemeClr val="accent1"/>
+          </a:lnRef>
+          <a:fillRef idx="0">
+            <a:schemeClr val="accent1"/>
+          </a:fillRef>
+          <a:effectRef idx="0">
+            <a:schemeClr val="accent1"/>
+          </a:effectRef>
+          <a:fontRef idx="minor">
+            <a:schemeClr val="tx1"/>
+          </a:fontRef>
+        </p:style>
+      </p:cxnSp>
+      <p:sp>
+        <p:nvSpPr>
+          <p:cNvPr id="17" name="テキスト ボックス 16"/>
+          <p:cNvSpPr txBox="1"/>
+          <p:nvPr/>
+        </p:nvSpPr>
+        <p:spPr>
+          <a:xfrm>
+            <a:off x="7668344" y="5182928"/>
+            <a:ext cx="805029" cy="338554"/>
+          </a:xfrm>
+          <a:prstGeom prst="rect">
+            <a:avLst/>
+          </a:prstGeom>
+          <a:noFill/>
+        </p:spPr>
+        <p:txBody>
+          <a:bodyPr wrap="none" rtlCol="0">
+            <a:spAutoFit/>
+          </a:bodyPr>
+          <a:lstStyle/>
+          <a:p>
+            <a:r>
+              <a:rPr kumimoji="1" lang="ja-JP" altLang="en-US" sz="1600" b="1" dirty="0" smtClean="0">
+                <a:solidFill>
+                  <a:srgbClr val="0070C0"/>
+                </a:solidFill>
+              </a:rPr>
+              <a:t>新規性</a:t>
+            </a:r>
+            <a:endParaRPr kumimoji="1" lang="ja-JP" altLang="en-US" sz="1600" b="1" dirty="0">
+              <a:solidFill>
+                <a:srgbClr val="0070C0"/>
+              </a:solidFill>
+            </a:endParaRPr>
+          </a:p>
+        </p:txBody>
+      </p:sp>
+      <p:sp>
+        <p:nvSpPr>
+          <p:cNvPr id="36" name="テキスト ボックス 35"/>
+          <p:cNvSpPr txBox="1"/>
+          <p:nvPr/>
+        </p:nvSpPr>
+        <p:spPr>
+          <a:xfrm>
+            <a:off x="814643" y="5178678"/>
+            <a:ext cx="805029" cy="338554"/>
+          </a:xfrm>
+          <a:prstGeom prst="rect">
+            <a:avLst/>
+          </a:prstGeom>
+          <a:noFill/>
+        </p:spPr>
+        <p:txBody>
+          <a:bodyPr wrap="none" rtlCol="0">
+            <a:spAutoFit/>
+          </a:bodyPr>
+          <a:lstStyle/>
+          <a:p>
+            <a:r>
+              <a:rPr lang="ja-JP" altLang="en-US" sz="1600" b="1" dirty="0">
+                <a:solidFill>
+                  <a:srgbClr val="FF0000"/>
+                </a:solidFill>
+              </a:rPr>
+              <a:t>実用性</a:t>
+            </a:r>
+            <a:endParaRPr kumimoji="1" lang="ja-JP" altLang="en-US" sz="1600" b="1" dirty="0">
+              <a:solidFill>
+                <a:srgbClr val="FF0000"/>
+              </a:solidFill>
+            </a:endParaRPr>
+          </a:p>
+        </p:txBody>
+      </p:sp>
+      <p:sp>
+        <p:nvSpPr>
+          <p:cNvPr id="5" name="タイトル 4"/>
+          <p:cNvSpPr>
+            <a:spLocks noGrp="1"/>
+          </p:cNvSpPr>
+          <p:nvPr>
+            <p:ph type="title"/>
+          </p:nvPr>
+        </p:nvSpPr>
+        <p:spPr/>
+        <p:txBody>
+          <a:bodyPr/>
+          <a:lstStyle/>
+          <a:p>
+            <a:endParaRPr kumimoji="1" lang="ja-JP" altLang="en-US"/>
+          </a:p>
+        </p:txBody>
+      </p:sp>
+    </p:spTree>
+    <p:extLst>
+      <p:ext uri="{BB962C8B-B14F-4D97-AF65-F5344CB8AC3E}">
+        <p14:creationId xmlns:p14="http://schemas.microsoft.com/office/powerpoint/2010/main" val="372563841"/>
       </p:ext>
     </p:extLst>
   </p:cSld>

--- a/doc/source/NoveltyVsUtility.pptx
+++ b/doc/source/NoveltyVsUtility.pptx
@@ -3630,7 +3630,7 @@
         </p:blipFill>
         <p:spPr bwMode="auto">
           <a:xfrm>
-            <a:off x="3419872" y="4133182"/>
+            <a:off x="3255444" y="4133182"/>
             <a:ext cx="1244548" cy="933411"/>
           </a:xfrm>
           <a:prstGeom prst="rect">
@@ -3697,7 +3697,7 @@
         </p:nvSpPr>
         <p:spPr>
           <a:xfrm>
-            <a:off x="3347864" y="3563724"/>
+            <a:off x="3203848" y="3635732"/>
             <a:ext cx="1338828" cy="369332"/>
           </a:xfrm>
           <a:prstGeom prst="rect">
@@ -3786,7 +3786,7 @@
         </p:nvSpPr>
         <p:spPr>
           <a:xfrm>
-            <a:off x="2073869" y="5609565"/>
+            <a:off x="1835696" y="5609565"/>
             <a:ext cx="1778051" cy="369332"/>
           </a:xfrm>
           <a:prstGeom prst="rect">
@@ -3846,8 +3846,8 @@
         </p:nvSpPr>
         <p:spPr>
           <a:xfrm>
-            <a:off x="755576" y="6095037"/>
-            <a:ext cx="2970180" cy="646331"/>
+            <a:off x="755575" y="6095037"/>
+            <a:ext cx="3290473" cy="646331"/>
           </a:xfrm>
           <a:prstGeom prst="rect">
             <a:avLst/>
@@ -3868,10 +3868,18 @@
           </a:p>
           <a:p>
             <a:r>
-              <a:rPr kumimoji="1" lang="ja-JP" altLang="en-US" dirty="0" smtClean="0"/>
+              <a:rPr kumimoji="1" lang="ja-JP" altLang="en-US" b="1" dirty="0" smtClean="0">
+                <a:solidFill>
+                  <a:srgbClr val="FF0000"/>
+                </a:solidFill>
+              </a:rPr>
               <a:t>チューニングされたライブラリ</a:t>
             </a:r>
-            <a:endParaRPr kumimoji="1" lang="en-US" altLang="ja-JP" dirty="0" smtClean="0"/>
+            <a:endParaRPr kumimoji="1" lang="en-US" altLang="ja-JP" b="1" dirty="0" smtClean="0">
+              <a:solidFill>
+                <a:srgbClr val="FF0000"/>
+              </a:solidFill>
+            </a:endParaRPr>
           </a:p>
         </p:txBody>
       </p:sp>
@@ -3922,8 +3930,8 @@
         </p:nvSpPr>
         <p:spPr>
           <a:xfrm>
-            <a:off x="7020651" y="3790781"/>
-            <a:ext cx="1330814" cy="646331"/>
+            <a:off x="7295237" y="3934797"/>
+            <a:ext cx="877163" cy="646331"/>
           </a:xfrm>
           <a:prstGeom prst="rect">
             <a:avLst/>
@@ -3938,8 +3946,12 @@
           <a:p>
             <a:pPr algn="ctr"/>
             <a:r>
+              <a:rPr lang="ja-JP" altLang="en-US" dirty="0"/>
+              <a:t>技術</a:t>
+            </a:r>
+            <a:r>
               <a:rPr lang="ja-JP" altLang="en-US" dirty="0" smtClean="0"/>
-              <a:t>研究の</a:t>
+              <a:t>の</a:t>
             </a:r>
             <a:endParaRPr lang="en-US" altLang="ja-JP" dirty="0" smtClean="0"/>
           </a:p>
@@ -3947,7 +3959,7 @@
             <a:pPr algn="ctr"/>
             <a:r>
               <a:rPr lang="ja-JP" altLang="en-US" dirty="0" smtClean="0"/>
-              <a:t>フロンティア</a:t>
+              <a:t>限界</a:t>
             </a:r>
             <a:endParaRPr lang="en-US" altLang="ja-JP" dirty="0" smtClean="0"/>
           </a:p>
@@ -3989,10 +4001,18 @@
           <a:p>
             <a:pPr algn="ctr"/>
             <a:r>
-              <a:rPr lang="ja-JP" altLang="en-US" dirty="0" smtClean="0"/>
+              <a:rPr lang="ja-JP" altLang="en-US" b="1" dirty="0" smtClean="0">
+                <a:solidFill>
+                  <a:srgbClr val="0070C0"/>
+                </a:solidFill>
+              </a:rPr>
               <a:t>埋め込み型　領域特化言語</a:t>
             </a:r>
-            <a:endParaRPr kumimoji="1" lang="en-US" altLang="ja-JP" dirty="0" smtClean="0"/>
+            <a:endParaRPr kumimoji="1" lang="en-US" altLang="ja-JP" b="1" dirty="0" smtClean="0">
+              <a:solidFill>
+                <a:srgbClr val="0070C0"/>
+              </a:solidFill>
+            </a:endParaRPr>
           </a:p>
         </p:txBody>
       </p:sp>
@@ -4185,8 +4205,8 @@
         </p:nvSpPr>
         <p:spPr>
           <a:xfrm>
-            <a:off x="6040431" y="2420888"/>
-            <a:ext cx="2279791" cy="646331"/>
+            <a:off x="5468781" y="2420888"/>
+            <a:ext cx="3063659" cy="646331"/>
           </a:xfrm>
           <a:prstGeom prst="rect">
             <a:avLst/>
@@ -4204,13 +4224,19 @@
           </a:bodyPr>
           <a:lstStyle/>
           <a:p>
-            <a:r>
-              <a:rPr kumimoji="1" lang="ja-JP" altLang="en-US" dirty="0" smtClean="0"/>
-              <a:t>研究として認められる</a:t>
+            <a:pPr algn="ctr"/>
+            <a:r>
+              <a:rPr lang="ja-JP" altLang="en-US" dirty="0"/>
+              <a:t>計算機</a:t>
+            </a:r>
+            <a:r>
+              <a:rPr lang="ja-JP" altLang="en-US" dirty="0" smtClean="0"/>
+              <a:t>科学者が研究している</a:t>
             </a:r>
             <a:endParaRPr kumimoji="1" lang="en-US" altLang="ja-JP" dirty="0" smtClean="0"/>
           </a:p>
           <a:p>
+            <a:pPr algn="ctr"/>
             <a:r>
               <a:rPr lang="ja-JP" altLang="en-US" dirty="0" smtClean="0"/>
               <a:t>ソフトウェア工学</a:t>
@@ -4228,7 +4254,7 @@
         <p:spPr>
           <a:xfrm>
             <a:off x="611560" y="2422629"/>
-            <a:ext cx="3114196" cy="646331"/>
+            <a:ext cx="4320480" cy="646331"/>
           </a:xfrm>
           <a:prstGeom prst="rect">
             <a:avLst/>
@@ -4249,7 +4275,11 @@
             <a:pPr algn="ctr"/>
             <a:r>
               <a:rPr lang="ja-JP" altLang="en-US" dirty="0" smtClean="0"/>
-              <a:t>計算科学で使われている</a:t>
+              <a:t>計算</a:t>
+            </a:r>
+            <a:r>
+              <a:rPr lang="ja-JP" altLang="en-US" dirty="0" smtClean="0"/>
+              <a:t>科学者が使っている</a:t>
             </a:r>
             <a:endParaRPr kumimoji="1" lang="en-US" altLang="ja-JP" dirty="0" smtClean="0"/>
           </a:p>
@@ -4271,7 +4301,7 @@
         </p:nvCxnSpPr>
         <p:spPr>
           <a:xfrm>
-            <a:off x="3203848" y="3068960"/>
+            <a:off x="4716016" y="3068960"/>
             <a:ext cx="0" cy="1944216"/>
           </a:xfrm>
           <a:prstGeom prst="straightConnector1">
@@ -4450,7 +4480,7 @@
       </p:grpSpPr>
       <p:pic>
         <p:nvPicPr>
-          <p:cNvPr id="1026" name="Picture 2" descr="https://upload.wikimedia.org/wikipedia/commons/e/ef/Watercan.png"/>
+          <p:cNvPr id="4" name="Picture 2" descr="https://upload.wikimedia.org/wikipedia/commons/e/ef/Watercan.png"/>
           <p:cNvPicPr>
             <a:picLocks noChangeAspect="1" noChangeArrowheads="1"/>
           </p:cNvPicPr>
@@ -4471,7 +4501,7 @@
         </p:blipFill>
         <p:spPr bwMode="auto">
           <a:xfrm rot="4255836">
-            <a:off x="7156875" y="4547792"/>
+            <a:off x="7156875" y="3467672"/>
             <a:ext cx="550754" cy="309212"/>
           </a:xfrm>
           <a:prstGeom prst="rect">
@@ -4491,7 +4521,7 @@
       </p:pic>
       <p:pic>
         <p:nvPicPr>
-          <p:cNvPr id="1028" name="Picture 4" descr="http://01.gatag.net/img/201506/13l/gatag-00007036.jpg"/>
+          <p:cNvPr id="5" name="Picture 4" descr="http://01.gatag.net/img/201506/13l/gatag-00007036.jpg"/>
           <p:cNvPicPr>
             <a:picLocks noChangeAspect="1" noChangeArrowheads="1"/>
           </p:cNvPicPr>
@@ -4512,7 +4542,7 @@
         </p:blipFill>
         <p:spPr bwMode="auto">
           <a:xfrm rot="5952441">
-            <a:off x="7551497" y="4823670"/>
+            <a:off x="7551497" y="3743550"/>
             <a:ext cx="364549" cy="365262"/>
           </a:xfrm>
           <a:prstGeom prst="rect">
@@ -4532,7 +4562,7 @@
       </p:pic>
       <p:pic>
         <p:nvPicPr>
-          <p:cNvPr id="1029" name="Picture 5" descr="C:\Users\mito\AppData\Local\Microsoft\Windows\INetCache\IE\4IVWR7FM\Beech_seedling[1].jpg"/>
+          <p:cNvPr id="6" name="Picture 5" descr="C:\Users\mito\AppData\Local\Microsoft\Windows\INetCache\IE\4IVWR7FM\Beech_seedling[1].jpg"/>
           <p:cNvPicPr>
             <a:picLocks noChangeAspect="1" noChangeArrowheads="1"/>
           </p:cNvPicPr>
@@ -4553,7 +4583,7 @@
         </p:blipFill>
         <p:spPr bwMode="auto">
           <a:xfrm>
-            <a:off x="5580112" y="4433987"/>
+            <a:off x="5580112" y="3353867"/>
             <a:ext cx="632607" cy="632607"/>
           </a:xfrm>
           <a:prstGeom prst="rect">
@@ -4573,7 +4603,7 @@
       </p:pic>
       <p:pic>
         <p:nvPicPr>
-          <p:cNvPr id="1030" name="Picture 6" descr="C:\Users\mito\AppData\Local\Microsoft\Windows\INetCache\IE\T3MV1H2R\Mango_TommyAtkins04_Asit[1].jpg"/>
+          <p:cNvPr id="7" name="Picture 6" descr="C:\Users\mito\AppData\Local\Microsoft\Windows\INetCache\IE\T3MV1H2R\Mango_TommyAtkins04_Asit[1].jpg"/>
           <p:cNvPicPr>
             <a:picLocks noChangeAspect="1" noChangeArrowheads="1"/>
           </p:cNvPicPr>
@@ -4594,7 +4624,7 @@
         </p:blipFill>
         <p:spPr bwMode="auto">
           <a:xfrm>
-            <a:off x="3419872" y="4133182"/>
+            <a:off x="3255444" y="3053062"/>
             <a:ext cx="1244548" cy="933411"/>
           </a:xfrm>
           <a:prstGeom prst="rect">
@@ -4614,7 +4644,7 @@
       </p:pic>
       <p:pic>
         <p:nvPicPr>
-          <p:cNvPr id="1031" name="Picture 7" descr="C:\Users\mito\AppData\Local\Microsoft\Windows\INetCache\IE\4IVWR7FM\DSC_0161[1].JPG"/>
+          <p:cNvPr id="8" name="Picture 7" descr="C:\Users\mito\AppData\Local\Microsoft\Windows\INetCache\IE\4IVWR7FM\DSC_0161[1].JPG"/>
           <p:cNvPicPr>
             <a:picLocks noChangeAspect="1" noChangeArrowheads="1"/>
           </p:cNvPicPr>
@@ -4635,7 +4665,7 @@
         </p:blipFill>
         <p:spPr bwMode="auto">
           <a:xfrm>
-            <a:off x="1164190" y="3870340"/>
+            <a:off x="1164190" y="2790220"/>
             <a:ext cx="1787122" cy="1196255"/>
           </a:xfrm>
           <a:prstGeom prst="rect">
@@ -4655,13 +4685,13 @@
       </p:pic>
       <p:sp>
         <p:nvSpPr>
-          <p:cNvPr id="15" name="テキスト ボックス 14"/>
+          <p:cNvPr id="9" name="テキスト ボックス 8"/>
           <p:cNvSpPr txBox="1"/>
           <p:nvPr/>
         </p:nvSpPr>
         <p:spPr>
           <a:xfrm>
-            <a:off x="3347864" y="3563724"/>
+            <a:off x="3203848" y="2555612"/>
             <a:ext cx="1338828" cy="369332"/>
           </a:xfrm>
           <a:prstGeom prst="rect">
@@ -4685,13 +4715,13 @@
       </p:sp>
       <p:sp>
         <p:nvSpPr>
-          <p:cNvPr id="16" name="テキスト ボックス 15"/>
+          <p:cNvPr id="10" name="テキスト ボックス 9"/>
           <p:cNvSpPr txBox="1"/>
           <p:nvPr/>
         </p:nvSpPr>
         <p:spPr>
           <a:xfrm>
-            <a:off x="5436096" y="3923764"/>
+            <a:off x="5436096" y="2843644"/>
             <a:ext cx="877163" cy="369332"/>
           </a:xfrm>
           <a:prstGeom prst="rect">
@@ -4715,13 +4745,13 @@
       </p:sp>
       <p:sp>
         <p:nvSpPr>
-          <p:cNvPr id="10" name="テキスト ボックス 9"/>
+          <p:cNvPr id="11" name="テキスト ボックス 10"/>
           <p:cNvSpPr txBox="1"/>
           <p:nvPr/>
         </p:nvSpPr>
         <p:spPr>
           <a:xfrm>
-            <a:off x="251520" y="5600273"/>
+            <a:off x="251520" y="4520153"/>
             <a:ext cx="1316899" cy="369332"/>
           </a:xfrm>
           <a:prstGeom prst="rect">
@@ -4744,13 +4774,13 @@
       </p:sp>
       <p:sp>
         <p:nvSpPr>
-          <p:cNvPr id="18" name="テキスト ボックス 17"/>
+          <p:cNvPr id="12" name="テキスト ボックス 11"/>
           <p:cNvSpPr txBox="1"/>
           <p:nvPr/>
         </p:nvSpPr>
         <p:spPr>
           <a:xfrm>
-            <a:off x="2073869" y="5609565"/>
+            <a:off x="1835696" y="4529445"/>
             <a:ext cx="1778051" cy="369332"/>
           </a:xfrm>
           <a:prstGeom prst="rect">
@@ -4774,13 +4804,13 @@
       </p:sp>
       <p:sp>
         <p:nvSpPr>
-          <p:cNvPr id="19" name="テキスト ボックス 18"/>
+          <p:cNvPr id="13" name="テキスト ボックス 12"/>
           <p:cNvSpPr txBox="1"/>
           <p:nvPr/>
         </p:nvSpPr>
         <p:spPr>
           <a:xfrm>
-            <a:off x="4046049" y="5600273"/>
+            <a:off x="4046049" y="4520153"/>
             <a:ext cx="2254143" cy="369332"/>
           </a:xfrm>
           <a:prstGeom prst="rect">
@@ -4804,14 +4834,14 @@
       </p:sp>
       <p:sp>
         <p:nvSpPr>
-          <p:cNvPr id="20" name="テキスト ボックス 19"/>
+          <p:cNvPr id="14" name="テキスト ボックス 13"/>
           <p:cNvSpPr txBox="1"/>
           <p:nvPr/>
         </p:nvSpPr>
         <p:spPr>
           <a:xfrm>
-            <a:off x="755576" y="6095037"/>
-            <a:ext cx="2970180" cy="646331"/>
+            <a:off x="755575" y="5014917"/>
+            <a:ext cx="3290473" cy="646331"/>
           </a:xfrm>
           <a:prstGeom prst="rect">
             <a:avLst/>
@@ -4832,22 +4862,30 @@
           </a:p>
           <a:p>
             <a:r>
-              <a:rPr kumimoji="1" lang="ja-JP" altLang="en-US" dirty="0" smtClean="0"/>
+              <a:rPr kumimoji="1" lang="ja-JP" altLang="en-US" b="1" dirty="0" smtClean="0">
+                <a:solidFill>
+                  <a:srgbClr val="FF0000"/>
+                </a:solidFill>
+              </a:rPr>
               <a:t>チューニングされたライブラリ</a:t>
             </a:r>
-            <a:endParaRPr kumimoji="1" lang="en-US" altLang="ja-JP" dirty="0" smtClean="0"/>
-          </a:p>
-        </p:txBody>
-      </p:sp>
-      <p:sp>
-        <p:nvSpPr>
-          <p:cNvPr id="22" name="テキスト ボックス 21"/>
+            <a:endParaRPr kumimoji="1" lang="en-US" altLang="ja-JP" b="1" dirty="0" smtClean="0">
+              <a:solidFill>
+                <a:srgbClr val="FF0000"/>
+              </a:solidFill>
+            </a:endParaRPr>
+          </a:p>
+        </p:txBody>
+      </p:sp>
+      <p:sp>
+        <p:nvSpPr>
+          <p:cNvPr id="15" name="テキスト ボックス 14"/>
           <p:cNvSpPr txBox="1"/>
           <p:nvPr/>
         </p:nvSpPr>
         <p:spPr>
           <a:xfrm>
-            <a:off x="6799019" y="5539298"/>
+            <a:off x="6799019" y="4459178"/>
             <a:ext cx="1877437" cy="553998"/>
           </a:xfrm>
           <a:prstGeom prst="rect">
@@ -4880,14 +4918,14 @@
       </p:sp>
       <p:sp>
         <p:nvSpPr>
-          <p:cNvPr id="23" name="テキスト ボックス 22"/>
+          <p:cNvPr id="16" name="テキスト ボックス 15"/>
           <p:cNvSpPr txBox="1"/>
           <p:nvPr/>
         </p:nvSpPr>
         <p:spPr>
           <a:xfrm>
-            <a:off x="7020651" y="3790781"/>
-            <a:ext cx="1330814" cy="646331"/>
+            <a:off x="7295237" y="2854677"/>
+            <a:ext cx="877163" cy="646331"/>
           </a:xfrm>
           <a:prstGeom prst="rect">
             <a:avLst/>
@@ -4902,8 +4940,12 @@
           <a:p>
             <a:pPr algn="ctr"/>
             <a:r>
+              <a:rPr lang="ja-JP" altLang="en-US" dirty="0"/>
+              <a:t>技術</a:t>
+            </a:r>
+            <a:r>
               <a:rPr lang="ja-JP" altLang="en-US" dirty="0" smtClean="0"/>
-              <a:t>研究の</a:t>
+              <a:t>の</a:t>
             </a:r>
             <a:endParaRPr lang="en-US" altLang="ja-JP" dirty="0" smtClean="0"/>
           </a:p>
@@ -4911,7 +4953,7 @@
             <a:pPr algn="ctr"/>
             <a:r>
               <a:rPr lang="ja-JP" altLang="en-US" dirty="0" smtClean="0"/>
-              <a:t>フロンティア</a:t>
+              <a:t>限界</a:t>
             </a:r>
             <a:endParaRPr lang="en-US" altLang="ja-JP" dirty="0" smtClean="0"/>
           </a:p>
@@ -4919,13 +4961,13 @@
       </p:sp>
       <p:sp>
         <p:nvSpPr>
-          <p:cNvPr id="24" name="テキスト ボックス 23"/>
+          <p:cNvPr id="17" name="テキスト ボックス 16"/>
           <p:cNvSpPr txBox="1"/>
           <p:nvPr/>
         </p:nvSpPr>
         <p:spPr>
           <a:xfrm>
-            <a:off x="4427984" y="6095037"/>
+            <a:off x="4427984" y="5014917"/>
             <a:ext cx="3384376" cy="646331"/>
           </a:xfrm>
           <a:prstGeom prst="rect">
@@ -4953,22 +4995,30 @@
           <a:p>
             <a:pPr algn="ctr"/>
             <a:r>
-              <a:rPr lang="ja-JP" altLang="en-US" dirty="0" smtClean="0"/>
+              <a:rPr lang="ja-JP" altLang="en-US" b="1" dirty="0" smtClean="0">
+                <a:solidFill>
+                  <a:srgbClr val="0070C0"/>
+                </a:solidFill>
+              </a:rPr>
               <a:t>埋め込み型　領域特化言語</a:t>
             </a:r>
-            <a:endParaRPr kumimoji="1" lang="en-US" altLang="ja-JP" dirty="0" smtClean="0"/>
-          </a:p>
-        </p:txBody>
-      </p:sp>
-      <p:sp>
-        <p:nvSpPr>
-          <p:cNvPr id="25" name="テキスト ボックス 24"/>
+            <a:endParaRPr kumimoji="1" lang="en-US" altLang="ja-JP" b="1" dirty="0" smtClean="0">
+              <a:solidFill>
+                <a:srgbClr val="0070C0"/>
+              </a:solidFill>
+            </a:endParaRPr>
+          </a:p>
+        </p:txBody>
+      </p:sp>
+      <p:sp>
+        <p:nvSpPr>
+          <p:cNvPr id="18" name="テキスト ボックス 17"/>
           <p:cNvSpPr txBox="1"/>
           <p:nvPr/>
         </p:nvSpPr>
         <p:spPr>
           <a:xfrm>
-            <a:off x="1378596" y="3419708"/>
+            <a:off x="1378596" y="2339588"/>
             <a:ext cx="1321196" cy="369332"/>
           </a:xfrm>
           <a:prstGeom prst="rect">
@@ -4992,13 +5042,13 @@
       </p:sp>
       <p:sp>
         <p:nvSpPr>
-          <p:cNvPr id="12" name="角丸四角形 11"/>
+          <p:cNvPr id="19" name="角丸四角形 18"/>
           <p:cNvSpPr/>
           <p:nvPr/>
         </p:nvSpPr>
         <p:spPr>
           <a:xfrm>
-            <a:off x="251520" y="3212976"/>
+            <a:off x="251520" y="2132856"/>
             <a:ext cx="8640960" cy="3528392"/>
           </a:xfrm>
           <a:prstGeom prst="roundRect">
@@ -5036,13 +5086,13 @@
       </p:sp>
       <p:sp>
         <p:nvSpPr>
-          <p:cNvPr id="7" name="右矢印 6"/>
+          <p:cNvPr id="20" name="右矢印 19"/>
           <p:cNvSpPr/>
           <p:nvPr/>
         </p:nvSpPr>
         <p:spPr>
           <a:xfrm>
-            <a:off x="395536" y="5013176"/>
+            <a:off x="395536" y="3933056"/>
             <a:ext cx="8352928" cy="692880"/>
           </a:xfrm>
           <a:prstGeom prst="rightArrow">
@@ -5107,13 +5157,13 @@
       </p:sp>
       <p:cxnSp>
         <p:nvCxnSpPr>
-          <p:cNvPr id="9" name="直線矢印コネクタ 8"/>
+          <p:cNvPr id="21" name="直線矢印コネクタ 20"/>
           <p:cNvCxnSpPr/>
           <p:nvPr/>
         </p:nvCxnSpPr>
         <p:spPr>
           <a:xfrm>
-            <a:off x="6804248" y="3068960"/>
+            <a:off x="6804248" y="1988840"/>
             <a:ext cx="0" cy="1944216"/>
           </a:xfrm>
           <a:prstGeom prst="straightConnector1">
@@ -5143,14 +5193,14 @@
       </p:cxnSp>
       <p:sp>
         <p:nvSpPr>
-          <p:cNvPr id="13" name="テキスト ボックス 12"/>
+          <p:cNvPr id="22" name="テキスト ボックス 21"/>
           <p:cNvSpPr txBox="1"/>
           <p:nvPr/>
         </p:nvSpPr>
         <p:spPr>
           <a:xfrm>
-            <a:off x="6040431" y="2420888"/>
-            <a:ext cx="2279791" cy="646331"/>
+            <a:off x="5468781" y="1340768"/>
+            <a:ext cx="3063659" cy="646331"/>
           </a:xfrm>
           <a:prstGeom prst="rect">
             <a:avLst/>
@@ -5168,13 +5218,19 @@
           </a:bodyPr>
           <a:lstStyle/>
           <a:p>
-            <a:r>
-              <a:rPr kumimoji="1" lang="ja-JP" altLang="en-US" dirty="0" smtClean="0"/>
-              <a:t>研究として認められる</a:t>
+            <a:pPr algn="ctr"/>
+            <a:r>
+              <a:rPr lang="ja-JP" altLang="en-US" dirty="0"/>
+              <a:t>計算機</a:t>
+            </a:r>
+            <a:r>
+              <a:rPr lang="ja-JP" altLang="en-US" dirty="0" smtClean="0"/>
+              <a:t>科学者が研究している</a:t>
             </a:r>
             <a:endParaRPr kumimoji="1" lang="en-US" altLang="ja-JP" dirty="0" smtClean="0"/>
           </a:p>
           <a:p>
+            <a:pPr algn="ctr"/>
             <a:r>
               <a:rPr lang="ja-JP" altLang="en-US" dirty="0" smtClean="0"/>
               <a:t>ソフトウェア工学</a:t>
@@ -5185,14 +5241,14 @@
       </p:sp>
       <p:sp>
         <p:nvSpPr>
-          <p:cNvPr id="31" name="テキスト ボックス 30"/>
+          <p:cNvPr id="23" name="テキスト ボックス 22"/>
           <p:cNvSpPr txBox="1"/>
           <p:nvPr/>
         </p:nvSpPr>
         <p:spPr>
           <a:xfrm>
-            <a:off x="611560" y="2422629"/>
-            <a:ext cx="3114196" cy="646331"/>
+            <a:off x="611560" y="1342509"/>
+            <a:ext cx="4320480" cy="646331"/>
           </a:xfrm>
           <a:prstGeom prst="rect">
             <a:avLst/>
@@ -5213,7 +5269,11 @@
             <a:pPr algn="ctr"/>
             <a:r>
               <a:rPr lang="ja-JP" altLang="en-US" dirty="0" smtClean="0"/>
-              <a:t>計算科学で使われている</a:t>
+              <a:t>計算</a:t>
+            </a:r>
+            <a:r>
+              <a:rPr lang="ja-JP" altLang="en-US" dirty="0" smtClean="0"/>
+              <a:t>科学者が使っている</a:t>
             </a:r>
             <a:endParaRPr kumimoji="1" lang="en-US" altLang="ja-JP" dirty="0" smtClean="0"/>
           </a:p>
@@ -5229,13 +5289,13 @@
       </p:sp>
       <p:cxnSp>
         <p:nvCxnSpPr>
-          <p:cNvPr id="33" name="直線矢印コネクタ 32"/>
+          <p:cNvPr id="24" name="直線矢印コネクタ 23"/>
           <p:cNvCxnSpPr/>
           <p:nvPr/>
         </p:nvCxnSpPr>
         <p:spPr>
           <a:xfrm>
-            <a:off x="3203848" y="3068960"/>
+            <a:off x="4716016" y="1988840"/>
             <a:ext cx="0" cy="1944216"/>
           </a:xfrm>
           <a:prstGeom prst="straightConnector1">
@@ -5265,13 +5325,13 @@
       </p:cxnSp>
       <p:cxnSp>
         <p:nvCxnSpPr>
-          <p:cNvPr id="34" name="直線矢印コネクタ 33"/>
+          <p:cNvPr id="25" name="直線矢印コネクタ 24"/>
           <p:cNvCxnSpPr/>
           <p:nvPr/>
         </p:nvCxnSpPr>
         <p:spPr>
           <a:xfrm>
-            <a:off x="827584" y="3068960"/>
+            <a:off x="827584" y="1988840"/>
             <a:ext cx="0" cy="1944216"/>
           </a:xfrm>
           <a:prstGeom prst="straightConnector1">
@@ -5301,13 +5361,13 @@
       </p:cxnSp>
       <p:sp>
         <p:nvSpPr>
-          <p:cNvPr id="17" name="テキスト ボックス 16"/>
+          <p:cNvPr id="26" name="テキスト ボックス 25"/>
           <p:cNvSpPr txBox="1"/>
           <p:nvPr/>
         </p:nvSpPr>
         <p:spPr>
           <a:xfrm>
-            <a:off x="7668344" y="5182928"/>
+            <a:off x="7668344" y="4102808"/>
             <a:ext cx="805029" cy="338554"/>
           </a:xfrm>
           <a:prstGeom prst="rect">
@@ -5339,13 +5399,13 @@
       </p:sp>
       <p:sp>
         <p:nvSpPr>
-          <p:cNvPr id="36" name="テキスト ボックス 35"/>
+          <p:cNvPr id="27" name="テキスト ボックス 26"/>
           <p:cNvSpPr txBox="1"/>
           <p:nvPr/>
         </p:nvSpPr>
         <p:spPr>
           <a:xfrm>
-            <a:off x="814643" y="5178678"/>
+            <a:off x="814643" y="4098558"/>
             <a:ext cx="805029" cy="338554"/>
           </a:xfrm>
           <a:prstGeom prst="rect">
@@ -5375,42 +5435,16 @@
           </a:p>
         </p:txBody>
       </p:sp>
-      <p:sp>
-        <p:nvSpPr>
-          <p:cNvPr id="5" name="タイトル 4"/>
-          <p:cNvSpPr>
-            <a:spLocks noGrp="1"/>
-          </p:cNvSpPr>
-          <p:nvPr>
-            <p:ph type="title"/>
-          </p:nvPr>
-        </p:nvSpPr>
-        <p:spPr/>
-        <p:txBody>
-          <a:bodyPr/>
-          <a:lstStyle/>
-          <a:p>
-            <a:endParaRPr kumimoji="1" lang="ja-JP" altLang="en-US"/>
-          </a:p>
-        </p:txBody>
-      </p:sp>
     </p:spTree>
     <p:extLst>
       <p:ext uri="{BB962C8B-B14F-4D97-AF65-F5344CB8AC3E}">
-        <p14:creationId xmlns:p14="http://schemas.microsoft.com/office/powerpoint/2010/main" val="372563841"/>
+        <p14:creationId xmlns:p14="http://schemas.microsoft.com/office/powerpoint/2010/main" val="3160505116"/>
       </p:ext>
     </p:extLst>
   </p:cSld>
   <p:clrMapOvr>
     <a:masterClrMapping/>
   </p:clrMapOvr>
-  <p:timing>
-    <p:tnLst>
-      <p:par>
-        <p:cTn id="1" dur="indefinite" restart="never" nodeType="tmRoot"/>
-      </p:par>
-    </p:tnLst>
-  </p:timing>
 </p:sld>
 </file>
 

--- a/doc/source/NoveltyVsUtility.pptx
+++ b/doc/source/NoveltyVsUtility.pptx
@@ -3772,7 +3772,13 @@
           <a:lstStyle/>
           <a:p>
             <a:r>
-              <a:rPr kumimoji="1" lang="en-US" altLang="ja-JP" dirty="0" smtClean="0"/>
+              <a:rPr kumimoji="1" lang="en-US" altLang="ja-JP" dirty="0" smtClean="0">
+                <a:solidFill>
+                  <a:schemeClr val="bg1">
+                    <a:lumMod val="50000"/>
+                  </a:schemeClr>
+                </a:solidFill>
+              </a:rPr>
               <a:t>FORTRAN77</a:t>
             </a:r>
           </a:p>
@@ -3801,10 +3807,22 @@
           <a:lstStyle/>
           <a:p>
             <a:r>
-              <a:rPr kumimoji="1" lang="ja-JP" altLang="en-US" dirty="0" smtClean="0"/>
+              <a:rPr kumimoji="1" lang="ja-JP" altLang="en-US" dirty="0" smtClean="0">
+                <a:solidFill>
+                  <a:schemeClr val="bg1">
+                    <a:lumMod val="50000"/>
+                  </a:schemeClr>
+                </a:solidFill>
+              </a:rPr>
               <a:t>オブジェクト指向</a:t>
             </a:r>
-            <a:endParaRPr kumimoji="1" lang="en-US" altLang="ja-JP" dirty="0" smtClean="0"/>
+            <a:endParaRPr kumimoji="1" lang="en-US" altLang="ja-JP" dirty="0" smtClean="0">
+              <a:solidFill>
+                <a:schemeClr val="bg1">
+                  <a:lumMod val="50000"/>
+                </a:schemeClr>
+              </a:solidFill>
+            </a:endParaRPr>
           </a:p>
         </p:txBody>
       </p:sp>
@@ -3831,10 +3849,22 @@
           <a:lstStyle/>
           <a:p>
             <a:r>
-              <a:rPr lang="ja-JP" altLang="en-US" dirty="0" smtClean="0"/>
+              <a:rPr lang="ja-JP" altLang="en-US" dirty="0" smtClean="0">
+                <a:solidFill>
+                  <a:schemeClr val="bg1">
+                    <a:lumMod val="50000"/>
+                  </a:schemeClr>
+                </a:solidFill>
+              </a:rPr>
               <a:t>関数型プログラミング</a:t>
             </a:r>
-            <a:endParaRPr kumimoji="1" lang="en-US" altLang="ja-JP" dirty="0" smtClean="0"/>
+            <a:endParaRPr kumimoji="1" lang="en-US" altLang="ja-JP" dirty="0" smtClean="0">
+              <a:solidFill>
+                <a:schemeClr val="bg1">
+                  <a:lumMod val="50000"/>
+                </a:schemeClr>
+              </a:solidFill>
+            </a:endParaRPr>
           </a:p>
         </p:txBody>
       </p:sp>
@@ -3907,18 +3937,42 @@
           <a:p>
             <a:pPr algn="ctr"/>
             <a:r>
-              <a:rPr kumimoji="1" lang="ja-JP" altLang="en-US" dirty="0" smtClean="0"/>
+              <a:rPr kumimoji="1" lang="ja-JP" altLang="en-US" dirty="0" smtClean="0">
+                <a:solidFill>
+                  <a:schemeClr val="bg1">
+                    <a:lumMod val="50000"/>
+                  </a:schemeClr>
+                </a:solidFill>
+              </a:rPr>
               <a:t>新言語</a:t>
             </a:r>
-            <a:endParaRPr kumimoji="1" lang="en-US" altLang="ja-JP" dirty="0" smtClean="0"/>
+            <a:endParaRPr kumimoji="1" lang="en-US" altLang="ja-JP" dirty="0" smtClean="0">
+              <a:solidFill>
+                <a:schemeClr val="bg1">
+                  <a:lumMod val="50000"/>
+                </a:schemeClr>
+              </a:solidFill>
+            </a:endParaRPr>
           </a:p>
           <a:p>
             <a:pPr algn="ctr"/>
             <a:r>
-              <a:rPr lang="ja-JP" altLang="en-US" sz="1200" dirty="0" smtClean="0"/>
+              <a:rPr lang="ja-JP" altLang="en-US" sz="1200" dirty="0" smtClean="0">
+                <a:solidFill>
+                  <a:schemeClr val="bg1">
+                    <a:lumMod val="50000"/>
+                  </a:schemeClr>
+                </a:solidFill>
+              </a:rPr>
               <a:t>（独立型の領域特化言語）</a:t>
             </a:r>
-            <a:endParaRPr kumimoji="1" lang="en-US" altLang="ja-JP" sz="1200" dirty="0" smtClean="0"/>
+            <a:endParaRPr kumimoji="1" lang="en-US" altLang="ja-JP" sz="1200" dirty="0" smtClean="0">
+              <a:solidFill>
+                <a:schemeClr val="bg1">
+                  <a:lumMod val="50000"/>
+                </a:schemeClr>
+              </a:solidFill>
+            </a:endParaRPr>
           </a:p>
         </p:txBody>
       </p:sp>
@@ -4275,11 +4329,7 @@
             <a:pPr algn="ctr"/>
             <a:r>
               <a:rPr lang="ja-JP" altLang="en-US" dirty="0" smtClean="0"/>
-              <a:t>計算</a:t>
-            </a:r>
-            <a:r>
-              <a:rPr lang="ja-JP" altLang="en-US" dirty="0" smtClean="0"/>
-              <a:t>科学者が使っている</a:t>
+              <a:t>計算科学者が使っている</a:t>
             </a:r>
             <a:endParaRPr kumimoji="1" lang="en-US" altLang="ja-JP" dirty="0" smtClean="0"/>
           </a:p>
@@ -4751,8 +4801,8 @@
         </p:nvSpPr>
         <p:spPr>
           <a:xfrm>
-            <a:off x="251520" y="4520153"/>
-            <a:ext cx="1316899" cy="369332"/>
+            <a:off x="251520" y="4581708"/>
+            <a:ext cx="1067793" cy="307777"/>
           </a:xfrm>
           <a:prstGeom prst="rect">
             <a:avLst/>
@@ -4766,7 +4816,13 @@
           <a:lstStyle/>
           <a:p>
             <a:r>
-              <a:rPr kumimoji="1" lang="en-US" altLang="ja-JP" dirty="0" smtClean="0"/>
+              <a:rPr kumimoji="1" lang="en-US" altLang="ja-JP" sz="1400" dirty="0" smtClean="0">
+                <a:solidFill>
+                  <a:schemeClr val="bg1">
+                    <a:lumMod val="50000"/>
+                  </a:schemeClr>
+                </a:solidFill>
+              </a:rPr>
               <a:t>FORTRAN77</a:t>
             </a:r>
           </a:p>
@@ -4780,8 +4836,8 @@
         </p:nvSpPr>
         <p:spPr>
           <a:xfrm>
-            <a:off x="1835696" y="4529445"/>
-            <a:ext cx="1778051" cy="369332"/>
+            <a:off x="1835696" y="4591000"/>
+            <a:ext cx="1426994" cy="307777"/>
           </a:xfrm>
           <a:prstGeom prst="rect">
             <a:avLst/>
@@ -4795,10 +4851,22 @@
           <a:lstStyle/>
           <a:p>
             <a:r>
-              <a:rPr kumimoji="1" lang="ja-JP" altLang="en-US" dirty="0" smtClean="0"/>
+              <a:rPr kumimoji="1" lang="ja-JP" altLang="en-US" sz="1400" dirty="0" smtClean="0">
+                <a:solidFill>
+                  <a:schemeClr val="bg1">
+                    <a:lumMod val="50000"/>
+                  </a:schemeClr>
+                </a:solidFill>
+              </a:rPr>
               <a:t>オブジェクト指向</a:t>
             </a:r>
-            <a:endParaRPr kumimoji="1" lang="en-US" altLang="ja-JP" dirty="0" smtClean="0"/>
+            <a:endParaRPr kumimoji="1" lang="en-US" altLang="ja-JP" sz="1400" dirty="0" smtClean="0">
+              <a:solidFill>
+                <a:schemeClr val="bg1">
+                  <a:lumMod val="50000"/>
+                </a:schemeClr>
+              </a:solidFill>
+            </a:endParaRPr>
           </a:p>
         </p:txBody>
       </p:sp>
@@ -4810,8 +4878,8 @@
         </p:nvSpPr>
         <p:spPr>
           <a:xfrm>
-            <a:off x="4046049" y="4520153"/>
-            <a:ext cx="2254143" cy="369332"/>
+            <a:off x="4046049" y="4581708"/>
+            <a:ext cx="1795684" cy="307777"/>
           </a:xfrm>
           <a:prstGeom prst="rect">
             <a:avLst/>
@@ -4825,10 +4893,22 @@
           <a:lstStyle/>
           <a:p>
             <a:r>
-              <a:rPr lang="ja-JP" altLang="en-US" dirty="0" smtClean="0"/>
+              <a:rPr lang="ja-JP" altLang="en-US" sz="1400" dirty="0" smtClean="0">
+                <a:solidFill>
+                  <a:schemeClr val="bg1">
+                    <a:lumMod val="50000"/>
+                  </a:schemeClr>
+                </a:solidFill>
+              </a:rPr>
               <a:t>関数型プログラミング</a:t>
             </a:r>
-            <a:endParaRPr kumimoji="1" lang="en-US" altLang="ja-JP" dirty="0" smtClean="0"/>
+            <a:endParaRPr kumimoji="1" lang="en-US" altLang="ja-JP" sz="1400" dirty="0" smtClean="0">
+              <a:solidFill>
+                <a:schemeClr val="bg1">
+                  <a:lumMod val="50000"/>
+                </a:schemeClr>
+              </a:solidFill>
+            </a:endParaRPr>
           </a:p>
         </p:txBody>
       </p:sp>
@@ -4885,8 +4965,8 @@
         </p:nvSpPr>
         <p:spPr>
           <a:xfrm>
-            <a:off x="6799019" y="4459178"/>
-            <a:ext cx="1877437" cy="553998"/>
+            <a:off x="7376100" y="4561383"/>
+            <a:ext cx="723275" cy="307777"/>
           </a:xfrm>
           <a:prstGeom prst="rect">
             <a:avLst/>
@@ -4901,18 +4981,22 @@
           <a:p>
             <a:pPr algn="ctr"/>
             <a:r>
-              <a:rPr kumimoji="1" lang="ja-JP" altLang="en-US" dirty="0" smtClean="0"/>
+              <a:rPr kumimoji="1" lang="ja-JP" altLang="en-US" sz="1400" dirty="0" smtClean="0">
+                <a:solidFill>
+                  <a:schemeClr val="bg1">
+                    <a:lumMod val="50000"/>
+                  </a:schemeClr>
+                </a:solidFill>
+              </a:rPr>
               <a:t>新言語</a:t>
             </a:r>
-            <a:endParaRPr kumimoji="1" lang="en-US" altLang="ja-JP" dirty="0" smtClean="0"/>
-          </a:p>
-          <a:p>
-            <a:pPr algn="ctr"/>
-            <a:r>
-              <a:rPr lang="ja-JP" altLang="en-US" sz="1200" dirty="0" smtClean="0"/>
-              <a:t>（独立型の領域特化言語）</a:t>
-            </a:r>
-            <a:endParaRPr kumimoji="1" lang="en-US" altLang="ja-JP" sz="1200" dirty="0" smtClean="0"/>
+            <a:endParaRPr kumimoji="1" lang="en-US" altLang="ja-JP" sz="1400" dirty="0" smtClean="0">
+              <a:solidFill>
+                <a:schemeClr val="bg1">
+                  <a:lumMod val="50000"/>
+                </a:schemeClr>
+              </a:solidFill>
+            </a:endParaRPr>
           </a:p>
         </p:txBody>
       </p:sp>
@@ -5269,11 +5353,7 @@
             <a:pPr algn="ctr"/>
             <a:r>
               <a:rPr lang="ja-JP" altLang="en-US" dirty="0" smtClean="0"/>
-              <a:t>計算</a:t>
-            </a:r>
-            <a:r>
-              <a:rPr lang="ja-JP" altLang="en-US" dirty="0" smtClean="0"/>
-              <a:t>科学者が使っている</a:t>
+              <a:t>計算科学者が使っている</a:t>
             </a:r>
             <a:endParaRPr kumimoji="1" lang="en-US" altLang="ja-JP" dirty="0" smtClean="0"/>
           </a:p>

--- a/doc/source/NoveltyVsUtility.pptx
+++ b/doc/source/NoveltyVsUtility.pptx
@@ -7,6 +7,7 @@
   <p:sldIdLst>
     <p:sldId id="257" r:id="rId2"/>
     <p:sldId id="258" r:id="rId3"/>
+    <p:sldId id="259" r:id="rId4"/>
   </p:sldIdLst>
   <p:sldSz cx="9144000" cy="6858000" type="screen4x3"/>
   <p:notesSz cx="6858000" cy="9144000"/>
@@ -289,7 +290,7 @@
           <a:p>
             <a:fld id="{957A8C05-74CA-427C-9D0B-0FC1D07AEBD5}" type="datetimeFigureOut">
               <a:rPr kumimoji="1" lang="ja-JP" altLang="en-US" smtClean="0"/>
-              <a:t>2016/8/17</a:t>
+              <a:t>2016/8/18</a:t>
             </a:fld>
             <a:endParaRPr kumimoji="1" lang="ja-JP" altLang="en-US"/>
           </a:p>
@@ -491,7 +492,7 @@
           <a:p>
             <a:fld id="{957A8C05-74CA-427C-9D0B-0FC1D07AEBD5}" type="datetimeFigureOut">
               <a:rPr kumimoji="1" lang="ja-JP" altLang="en-US" smtClean="0"/>
-              <a:t>2016/8/17</a:t>
+              <a:t>2016/8/18</a:t>
             </a:fld>
             <a:endParaRPr kumimoji="1" lang="ja-JP" altLang="en-US"/>
           </a:p>
@@ -703,7 +704,7 @@
           <a:p>
             <a:fld id="{957A8C05-74CA-427C-9D0B-0FC1D07AEBD5}" type="datetimeFigureOut">
               <a:rPr kumimoji="1" lang="ja-JP" altLang="en-US" smtClean="0"/>
-              <a:t>2016/8/17</a:t>
+              <a:t>2016/8/18</a:t>
             </a:fld>
             <a:endParaRPr kumimoji="1" lang="ja-JP" altLang="en-US"/>
           </a:p>
@@ -905,7 +906,7 @@
           <a:p>
             <a:fld id="{957A8C05-74CA-427C-9D0B-0FC1D07AEBD5}" type="datetimeFigureOut">
               <a:rPr kumimoji="1" lang="ja-JP" altLang="en-US" smtClean="0"/>
-              <a:t>2016/8/17</a:t>
+              <a:t>2016/8/18</a:t>
             </a:fld>
             <a:endParaRPr kumimoji="1" lang="ja-JP" altLang="en-US"/>
           </a:p>
@@ -1151,7 +1152,7 @@
           <a:p>
             <a:fld id="{957A8C05-74CA-427C-9D0B-0FC1D07AEBD5}" type="datetimeFigureOut">
               <a:rPr kumimoji="1" lang="ja-JP" altLang="en-US" smtClean="0"/>
-              <a:t>2016/8/17</a:t>
+              <a:t>2016/8/18</a:t>
             </a:fld>
             <a:endParaRPr kumimoji="1" lang="ja-JP" altLang="en-US"/>
           </a:p>
@@ -1503,7 +1504,7 @@
           <a:p>
             <a:fld id="{957A8C05-74CA-427C-9D0B-0FC1D07AEBD5}" type="datetimeFigureOut">
               <a:rPr kumimoji="1" lang="ja-JP" altLang="en-US" smtClean="0"/>
-              <a:t>2016/8/17</a:t>
+              <a:t>2016/8/18</a:t>
             </a:fld>
             <a:endParaRPr kumimoji="1" lang="ja-JP" altLang="en-US"/>
           </a:p>
@@ -1989,7 +1990,7 @@
           <a:p>
             <a:fld id="{957A8C05-74CA-427C-9D0B-0FC1D07AEBD5}" type="datetimeFigureOut">
               <a:rPr kumimoji="1" lang="ja-JP" altLang="en-US" smtClean="0"/>
-              <a:t>2016/8/17</a:t>
+              <a:t>2016/8/18</a:t>
             </a:fld>
             <a:endParaRPr kumimoji="1" lang="ja-JP" altLang="en-US"/>
           </a:p>
@@ -2107,7 +2108,7 @@
           <a:p>
             <a:fld id="{957A8C05-74CA-427C-9D0B-0FC1D07AEBD5}" type="datetimeFigureOut">
               <a:rPr kumimoji="1" lang="ja-JP" altLang="en-US" smtClean="0"/>
-              <a:t>2016/8/17</a:t>
+              <a:t>2016/8/18</a:t>
             </a:fld>
             <a:endParaRPr kumimoji="1" lang="ja-JP" altLang="en-US"/>
           </a:p>
@@ -2202,7 +2203,7 @@
           <a:p>
             <a:fld id="{957A8C05-74CA-427C-9D0B-0FC1D07AEBD5}" type="datetimeFigureOut">
               <a:rPr kumimoji="1" lang="ja-JP" altLang="en-US" smtClean="0"/>
-              <a:t>2016/8/17</a:t>
+              <a:t>2016/8/18</a:t>
             </a:fld>
             <a:endParaRPr kumimoji="1" lang="ja-JP" altLang="en-US"/>
           </a:p>
@@ -2511,7 +2512,7 @@
           <a:p>
             <a:fld id="{957A8C05-74CA-427C-9D0B-0FC1D07AEBD5}" type="datetimeFigureOut">
               <a:rPr kumimoji="1" lang="ja-JP" altLang="en-US" smtClean="0"/>
-              <a:t>2016/8/17</a:t>
+              <a:t>2016/8/18</a:t>
             </a:fld>
             <a:endParaRPr kumimoji="1" lang="ja-JP" altLang="en-US"/>
           </a:p>
@@ -2764,7 +2765,7 @@
           <a:p>
             <a:fld id="{957A8C05-74CA-427C-9D0B-0FC1D07AEBD5}" type="datetimeFigureOut">
               <a:rPr kumimoji="1" lang="ja-JP" altLang="en-US" smtClean="0"/>
-              <a:t>2016/8/17</a:t>
+              <a:t>2016/8/18</a:t>
             </a:fld>
             <a:endParaRPr kumimoji="1" lang="ja-JP" altLang="en-US"/>
           </a:p>
@@ -3009,7 +3010,7 @@
           <a:p>
             <a:fld id="{957A8C05-74CA-427C-9D0B-0FC1D07AEBD5}" type="datetimeFigureOut">
               <a:rPr kumimoji="1" lang="ja-JP" altLang="en-US" smtClean="0"/>
-              <a:t>2016/8/17</a:t>
+              <a:t>2016/8/18</a:t>
             </a:fld>
             <a:endParaRPr kumimoji="1" lang="ja-JP" altLang="en-US"/>
           </a:p>
@@ -5519,6 +5520,756 @@
     <p:extLst>
       <p:ext uri="{BB962C8B-B14F-4D97-AF65-F5344CB8AC3E}">
         <p14:creationId xmlns:p14="http://schemas.microsoft.com/office/powerpoint/2010/main" val="3160505116"/>
+      </p:ext>
+    </p:extLst>
+  </p:cSld>
+  <p:clrMapOvr>
+    <a:masterClrMapping/>
+  </p:clrMapOvr>
+</p:sld>
+</file>
+
+<file path=ppt/slides/slide3.xml><?xml version="1.0" encoding="utf-8"?>
+<p:sld xmlns:a="http://schemas.openxmlformats.org/drawingml/2006/main" xmlns:r="http://schemas.openxmlformats.org/officeDocument/2006/relationships" xmlns:p="http://schemas.openxmlformats.org/presentationml/2006/main">
+  <p:cSld>
+    <p:spTree>
+      <p:nvGrpSpPr>
+        <p:cNvPr id="1" name=""/>
+        <p:cNvGrpSpPr/>
+        <p:nvPr/>
+      </p:nvGrpSpPr>
+      <p:grpSpPr>
+        <a:xfrm>
+          <a:off x="0" y="0"/>
+          <a:ext cx="0" cy="0"/>
+          <a:chOff x="0" y="0"/>
+          <a:chExt cx="0" cy="0"/>
+        </a:xfrm>
+      </p:grpSpPr>
+      <p:pic>
+        <p:nvPicPr>
+          <p:cNvPr id="4" name="Picture 2" descr="https://upload.wikimedia.org/wikipedia/commons/e/ef/Watercan.png"/>
+          <p:cNvPicPr>
+            <a:picLocks noChangeAspect="1" noChangeArrowheads="1"/>
+          </p:cNvPicPr>
+          <p:nvPr/>
+        </p:nvPicPr>
+        <p:blipFill>
+          <a:blip r:embed="rId2" cstate="print">
+            <a:extLst>
+              <a:ext uri="{28A0092B-C50C-407E-A947-70E740481C1C}">
+                <a14:useLocalDpi xmlns:a14="http://schemas.microsoft.com/office/drawing/2010/main" val="0"/>
+              </a:ext>
+            </a:extLst>
+          </a:blip>
+          <a:srcRect/>
+          <a:stretch>
+            <a:fillRect/>
+          </a:stretch>
+        </p:blipFill>
+        <p:spPr bwMode="auto">
+          <a:xfrm rot="2602655">
+            <a:off x="7374659" y="3503891"/>
+            <a:ext cx="550754" cy="309212"/>
+          </a:xfrm>
+          <a:prstGeom prst="rect">
+            <a:avLst/>
+          </a:prstGeom>
+          <a:noFill/>
+          <a:extLst>
+            <a:ext uri="{909E8E84-426E-40DD-AFC4-6F175D3DCCD1}">
+              <a14:hiddenFill xmlns:a14="http://schemas.microsoft.com/office/drawing/2010/main">
+                <a:solidFill>
+                  <a:srgbClr val="FFFFFF"/>
+                </a:solidFill>
+              </a14:hiddenFill>
+            </a:ext>
+          </a:extLst>
+        </p:spPr>
+      </p:pic>
+      <p:pic>
+        <p:nvPicPr>
+          <p:cNvPr id="5" name="Picture 4" descr="http://01.gatag.net/img/201506/13l/gatag-00007036.jpg"/>
+          <p:cNvPicPr>
+            <a:picLocks noChangeAspect="1" noChangeArrowheads="1"/>
+          </p:cNvPicPr>
+          <p:nvPr/>
+        </p:nvPicPr>
+        <p:blipFill>
+          <a:blip r:embed="rId3" cstate="print">
+            <a:extLst>
+              <a:ext uri="{28A0092B-C50C-407E-A947-70E740481C1C}">
+                <a14:useLocalDpi xmlns:a14="http://schemas.microsoft.com/office/drawing/2010/main" val="0"/>
+              </a:ext>
+            </a:extLst>
+          </a:blip>
+          <a:srcRect/>
+          <a:stretch>
+            <a:fillRect/>
+          </a:stretch>
+        </p:blipFill>
+        <p:spPr bwMode="auto">
+          <a:xfrm rot="5952441">
+            <a:off x="7996706" y="3671542"/>
+            <a:ext cx="364549" cy="365262"/>
+          </a:xfrm>
+          <a:prstGeom prst="rect">
+            <a:avLst/>
+          </a:prstGeom>
+          <a:noFill/>
+          <a:extLst>
+            <a:ext uri="{909E8E84-426E-40DD-AFC4-6F175D3DCCD1}">
+              <a14:hiddenFill xmlns:a14="http://schemas.microsoft.com/office/drawing/2010/main">
+                <a:solidFill>
+                  <a:srgbClr val="FFFFFF"/>
+                </a:solidFill>
+              </a14:hiddenFill>
+            </a:ext>
+          </a:extLst>
+        </p:spPr>
+      </p:pic>
+      <p:pic>
+        <p:nvPicPr>
+          <p:cNvPr id="7" name="Picture 6" descr="C:\Users\mito\AppData\Local\Microsoft\Windows\INetCache\IE\T3MV1H2R\Mango_TommyAtkins04_Asit[1].jpg"/>
+          <p:cNvPicPr>
+            <a:picLocks noChangeAspect="1" noChangeArrowheads="1"/>
+          </p:cNvPicPr>
+          <p:nvPr/>
+        </p:nvPicPr>
+        <p:blipFill>
+          <a:blip r:embed="rId4" cstate="print">
+            <a:extLst>
+              <a:ext uri="{28A0092B-C50C-407E-A947-70E740481C1C}">
+                <a14:useLocalDpi xmlns:a14="http://schemas.microsoft.com/office/drawing/2010/main" val="0"/>
+              </a:ext>
+            </a:extLst>
+          </a:blip>
+          <a:srcRect/>
+          <a:stretch>
+            <a:fillRect/>
+          </a:stretch>
+        </p:blipFill>
+        <p:spPr bwMode="auto">
+          <a:xfrm>
+            <a:off x="3399459" y="3037602"/>
+            <a:ext cx="1265161" cy="948871"/>
+          </a:xfrm>
+          <a:prstGeom prst="rect">
+            <a:avLst/>
+          </a:prstGeom>
+          <a:noFill/>
+          <a:extLst>
+            <a:ext uri="{909E8E84-426E-40DD-AFC4-6F175D3DCCD1}">
+              <a14:hiddenFill xmlns:a14="http://schemas.microsoft.com/office/drawing/2010/main">
+                <a:solidFill>
+                  <a:srgbClr val="FFFFFF"/>
+                </a:solidFill>
+              </a14:hiddenFill>
+            </a:ext>
+          </a:extLst>
+        </p:spPr>
+      </p:pic>
+      <p:pic>
+        <p:nvPicPr>
+          <p:cNvPr id="8" name="Picture 7" descr="C:\Users\mito\AppData\Local\Microsoft\Windows\INetCache\IE\4IVWR7FM\DSC_0161[1].JPG"/>
+          <p:cNvPicPr>
+            <a:picLocks noChangeAspect="1" noChangeArrowheads="1"/>
+          </p:cNvPicPr>
+          <p:nvPr/>
+        </p:nvPicPr>
+        <p:blipFill>
+          <a:blip r:embed="rId5" cstate="print">
+            <a:extLst>
+              <a:ext uri="{28A0092B-C50C-407E-A947-70E740481C1C}">
+                <a14:useLocalDpi xmlns:a14="http://schemas.microsoft.com/office/drawing/2010/main" val="0"/>
+              </a:ext>
+            </a:extLst>
+          </a:blip>
+          <a:srcRect/>
+          <a:stretch>
+            <a:fillRect/>
+          </a:stretch>
+        </p:blipFill>
+        <p:spPr bwMode="auto">
+          <a:xfrm>
+            <a:off x="755576" y="2829666"/>
+            <a:ext cx="1728192" cy="1156809"/>
+          </a:xfrm>
+          <a:prstGeom prst="rect">
+            <a:avLst/>
+          </a:prstGeom>
+          <a:noFill/>
+          <a:extLst>
+            <a:ext uri="{909E8E84-426E-40DD-AFC4-6F175D3DCCD1}">
+              <a14:hiddenFill xmlns:a14="http://schemas.microsoft.com/office/drawing/2010/main">
+                <a:solidFill>
+                  <a:srgbClr val="FFFFFF"/>
+                </a:solidFill>
+              </a14:hiddenFill>
+            </a:ext>
+          </a:extLst>
+        </p:spPr>
+      </p:pic>
+      <p:sp>
+        <p:nvSpPr>
+          <p:cNvPr id="9" name="テキスト ボックス 8"/>
+          <p:cNvSpPr txBox="1"/>
+          <p:nvPr/>
+        </p:nvSpPr>
+        <p:spPr>
+          <a:xfrm>
+            <a:off x="3327622" y="2555612"/>
+            <a:ext cx="1316386" cy="369332"/>
+          </a:xfrm>
+          <a:prstGeom prst="rect">
+            <a:avLst/>
+          </a:prstGeom>
+          <a:noFill/>
+        </p:spPr>
+        <p:txBody>
+          <a:bodyPr wrap="none" rtlCol="0">
+            <a:spAutoFit/>
+          </a:bodyPr>
+          <a:lstStyle/>
+          <a:p>
+            <a:r>
+              <a:rPr lang="ja-JP" altLang="en-US" dirty="0"/>
+              <a:t>有用な</a:t>
+            </a:r>
+            <a:r>
+              <a:rPr lang="ja-JP" altLang="en-US" dirty="0" smtClean="0"/>
+              <a:t>技術</a:t>
+            </a:r>
+            <a:endParaRPr kumimoji="1" lang="ja-JP" altLang="en-US" dirty="0"/>
+          </a:p>
+        </p:txBody>
+      </p:sp>
+      <p:sp>
+        <p:nvSpPr>
+          <p:cNvPr id="10" name="テキスト ボックス 9"/>
+          <p:cNvSpPr txBox="1"/>
+          <p:nvPr/>
+        </p:nvSpPr>
+        <p:spPr>
+          <a:xfrm>
+            <a:off x="5567045" y="2852936"/>
+            <a:ext cx="877163" cy="369332"/>
+          </a:xfrm>
+          <a:prstGeom prst="rect">
+            <a:avLst/>
+          </a:prstGeom>
+          <a:noFill/>
+        </p:spPr>
+        <p:txBody>
+          <a:bodyPr wrap="none" rtlCol="0">
+            <a:spAutoFit/>
+          </a:bodyPr>
+          <a:lstStyle/>
+          <a:p>
+            <a:r>
+              <a:rPr lang="ja-JP" altLang="en-US" dirty="0" smtClean="0"/>
+              <a:t>実用化</a:t>
+            </a:r>
+            <a:endParaRPr lang="en-US" altLang="ja-JP" dirty="0" smtClean="0"/>
+          </a:p>
+        </p:txBody>
+      </p:sp>
+      <p:sp>
+        <p:nvSpPr>
+          <p:cNvPr id="14" name="テキスト ボックス 13"/>
+          <p:cNvSpPr txBox="1"/>
+          <p:nvPr/>
+        </p:nvSpPr>
+        <p:spPr>
+          <a:xfrm>
+            <a:off x="539552" y="4726885"/>
+            <a:ext cx="2232249" cy="646331"/>
+          </a:xfrm>
+          <a:prstGeom prst="rect">
+            <a:avLst/>
+          </a:prstGeom>
+          <a:noFill/>
+        </p:spPr>
+        <p:txBody>
+          <a:bodyPr wrap="square" rtlCol="0">
+            <a:spAutoFit/>
+          </a:bodyPr>
+          <a:lstStyle/>
+          <a:p>
+            <a:pPr algn="ctr"/>
+            <a:r>
+              <a:rPr kumimoji="1" lang="ja-JP" altLang="en-US" dirty="0" smtClean="0"/>
+              <a:t>チューニングされた</a:t>
+            </a:r>
+            <a:endParaRPr kumimoji="1" lang="en-US" altLang="ja-JP" dirty="0" smtClean="0"/>
+          </a:p>
+          <a:p>
+            <a:pPr algn="ctr"/>
+            <a:r>
+              <a:rPr kumimoji="1" lang="ja-JP" altLang="en-US" b="1" dirty="0" smtClean="0">
+                <a:solidFill>
+                  <a:srgbClr val="FF0000"/>
+                </a:solidFill>
+              </a:rPr>
+              <a:t>ライブラリ</a:t>
+            </a:r>
+            <a:endParaRPr kumimoji="1" lang="en-US" altLang="ja-JP" b="1" dirty="0" smtClean="0">
+              <a:solidFill>
+                <a:srgbClr val="FF0000"/>
+              </a:solidFill>
+            </a:endParaRPr>
+          </a:p>
+        </p:txBody>
+      </p:sp>
+      <p:sp>
+        <p:nvSpPr>
+          <p:cNvPr id="16" name="テキスト ボックス 15"/>
+          <p:cNvSpPr txBox="1"/>
+          <p:nvPr/>
+        </p:nvSpPr>
+        <p:spPr>
+          <a:xfrm>
+            <a:off x="7655277" y="2998693"/>
+            <a:ext cx="877163" cy="646331"/>
+          </a:xfrm>
+          <a:prstGeom prst="rect">
+            <a:avLst/>
+          </a:prstGeom>
+          <a:noFill/>
+        </p:spPr>
+        <p:txBody>
+          <a:bodyPr wrap="none" rtlCol="0">
+            <a:spAutoFit/>
+          </a:bodyPr>
+          <a:lstStyle/>
+          <a:p>
+            <a:pPr algn="ctr"/>
+            <a:r>
+              <a:rPr lang="ja-JP" altLang="en-US" dirty="0"/>
+              <a:t>技術</a:t>
+            </a:r>
+            <a:r>
+              <a:rPr lang="ja-JP" altLang="en-US" dirty="0" smtClean="0"/>
+              <a:t>の</a:t>
+            </a:r>
+            <a:endParaRPr lang="en-US" altLang="ja-JP" dirty="0" smtClean="0"/>
+          </a:p>
+          <a:p>
+            <a:pPr algn="ctr"/>
+            <a:r>
+              <a:rPr lang="ja-JP" altLang="en-US" dirty="0" smtClean="0"/>
+              <a:t>限界</a:t>
+            </a:r>
+            <a:endParaRPr lang="en-US" altLang="ja-JP" dirty="0" smtClean="0"/>
+          </a:p>
+        </p:txBody>
+      </p:sp>
+      <p:sp>
+        <p:nvSpPr>
+          <p:cNvPr id="17" name="テキスト ボックス 16"/>
+          <p:cNvSpPr txBox="1"/>
+          <p:nvPr/>
+        </p:nvSpPr>
+        <p:spPr>
+          <a:xfrm>
+            <a:off x="5004048" y="4726885"/>
+            <a:ext cx="2607753" cy="646331"/>
+          </a:xfrm>
+          <a:prstGeom prst="rect">
+            <a:avLst/>
+          </a:prstGeom>
+          <a:noFill/>
+        </p:spPr>
+        <p:txBody>
+          <a:bodyPr wrap="square" rtlCol="0">
+            <a:spAutoFit/>
+          </a:bodyPr>
+          <a:lstStyle/>
+          <a:p>
+            <a:pPr algn="ctr"/>
+            <a:r>
+              <a:rPr lang="ja-JP" altLang="en-US" dirty="0"/>
+              <a:t>自動並列化</a:t>
+            </a:r>
+            <a:r>
+              <a:rPr kumimoji="1" lang="ja-JP" altLang="en-US" dirty="0" smtClean="0"/>
+              <a:t>のための</a:t>
+            </a:r>
+            <a:endParaRPr kumimoji="1" lang="en-US" altLang="ja-JP" dirty="0" smtClean="0"/>
+          </a:p>
+          <a:p>
+            <a:pPr algn="ctr"/>
+            <a:r>
+              <a:rPr lang="ja-JP" altLang="en-US" b="1" dirty="0" smtClean="0">
+                <a:solidFill>
+                  <a:srgbClr val="0070C0"/>
+                </a:solidFill>
+              </a:rPr>
+              <a:t>領域</a:t>
+            </a:r>
+            <a:r>
+              <a:rPr lang="ja-JP" altLang="en-US" b="1" dirty="0" smtClean="0">
+                <a:solidFill>
+                  <a:srgbClr val="0070C0"/>
+                </a:solidFill>
+              </a:rPr>
+              <a:t>特化言語</a:t>
+            </a:r>
+            <a:endParaRPr kumimoji="1" lang="en-US" altLang="ja-JP" b="1" dirty="0" smtClean="0">
+              <a:solidFill>
+                <a:srgbClr val="0070C0"/>
+              </a:solidFill>
+            </a:endParaRPr>
+          </a:p>
+        </p:txBody>
+      </p:sp>
+      <p:sp>
+        <p:nvSpPr>
+          <p:cNvPr id="18" name="テキスト ボックス 17"/>
+          <p:cNvSpPr txBox="1"/>
+          <p:nvPr/>
+        </p:nvSpPr>
+        <p:spPr>
+          <a:xfrm>
+            <a:off x="802532" y="2411596"/>
+            <a:ext cx="1321196" cy="369332"/>
+          </a:xfrm>
+          <a:prstGeom prst="rect">
+            <a:avLst/>
+          </a:prstGeom>
+          <a:noFill/>
+        </p:spPr>
+        <p:txBody>
+          <a:bodyPr wrap="none" rtlCol="0">
+            <a:spAutoFit/>
+          </a:bodyPr>
+          <a:lstStyle/>
+          <a:p>
+            <a:r>
+              <a:rPr lang="ja-JP" altLang="en-US" dirty="0" smtClean="0"/>
+              <a:t>枯れた技術</a:t>
+            </a:r>
+            <a:endParaRPr kumimoji="1" lang="ja-JP" altLang="en-US" dirty="0"/>
+          </a:p>
+        </p:txBody>
+      </p:sp>
+      <p:sp>
+        <p:nvSpPr>
+          <p:cNvPr id="19" name="角丸四角形 18"/>
+          <p:cNvSpPr/>
+          <p:nvPr/>
+        </p:nvSpPr>
+        <p:spPr>
+          <a:xfrm>
+            <a:off x="251520" y="2132856"/>
+            <a:ext cx="8640960" cy="3528392"/>
+          </a:xfrm>
+          <a:prstGeom prst="roundRect">
+            <a:avLst/>
+          </a:prstGeom>
+          <a:noFill/>
+          <a:ln>
+            <a:prstDash val="dash"/>
+          </a:ln>
+        </p:spPr>
+        <p:style>
+          <a:lnRef idx="2">
+            <a:schemeClr val="accent1">
+              <a:shade val="50000"/>
+            </a:schemeClr>
+          </a:lnRef>
+          <a:fillRef idx="1">
+            <a:schemeClr val="accent1"/>
+          </a:fillRef>
+          <a:effectRef idx="0">
+            <a:schemeClr val="accent1"/>
+          </a:effectRef>
+          <a:fontRef idx="minor">
+            <a:schemeClr val="lt1"/>
+          </a:fontRef>
+        </p:style>
+        <p:txBody>
+          <a:bodyPr rtlCol="0" anchor="ctr"/>
+          <a:lstStyle/>
+          <a:p>
+            <a:pPr algn="ctr"/>
+            <a:endParaRPr kumimoji="1" lang="ja-JP" altLang="en-US"/>
+          </a:p>
+        </p:txBody>
+      </p:sp>
+      <p:sp>
+        <p:nvSpPr>
+          <p:cNvPr id="20" name="右矢印 19"/>
+          <p:cNvSpPr/>
+          <p:nvPr/>
+        </p:nvSpPr>
+        <p:spPr>
+          <a:xfrm>
+            <a:off x="467544" y="3933056"/>
+            <a:ext cx="2664296" cy="692880"/>
+          </a:xfrm>
+          <a:prstGeom prst="rightArrow">
+            <a:avLst/>
+          </a:prstGeom>
+          <a:solidFill>
+            <a:schemeClr val="accent1">
+              <a:lumMod val="20000"/>
+              <a:lumOff val="80000"/>
+            </a:schemeClr>
+          </a:solidFill>
+          <a:ln>
+            <a:solidFill>
+              <a:srgbClr val="0070C0"/>
+            </a:solidFill>
+          </a:ln>
+        </p:spPr>
+        <p:style>
+          <a:lnRef idx="2">
+            <a:schemeClr val="accent1">
+              <a:shade val="50000"/>
+            </a:schemeClr>
+          </a:lnRef>
+          <a:fillRef idx="1">
+            <a:schemeClr val="accent1"/>
+          </a:fillRef>
+          <a:effectRef idx="0">
+            <a:schemeClr val="accent1"/>
+          </a:effectRef>
+          <a:fontRef idx="minor">
+            <a:schemeClr val="lt1"/>
+          </a:fontRef>
+        </p:style>
+        <p:txBody>
+          <a:bodyPr rtlCol="0" anchor="ctr"/>
+          <a:lstStyle/>
+          <a:p>
+            <a:pPr algn="ctr"/>
+            <a:r>
+              <a:rPr kumimoji="1" lang="ja-JP" altLang="en-US" b="1" dirty="0" smtClean="0">
+                <a:solidFill>
+                  <a:schemeClr val="tx1"/>
+                </a:solidFill>
+              </a:rPr>
+              <a:t>ソフトウェア工学の利用</a:t>
+            </a:r>
+            <a:endParaRPr kumimoji="1" lang="ja-JP" altLang="en-US" b="1" dirty="0">
+              <a:solidFill>
+                <a:schemeClr val="tx1"/>
+              </a:solidFill>
+            </a:endParaRPr>
+          </a:p>
+        </p:txBody>
+      </p:sp>
+      <p:sp>
+        <p:nvSpPr>
+          <p:cNvPr id="28" name="右矢印 27"/>
+          <p:cNvSpPr/>
+          <p:nvPr/>
+        </p:nvSpPr>
+        <p:spPr>
+          <a:xfrm>
+            <a:off x="5724128" y="3960256"/>
+            <a:ext cx="2752499" cy="692880"/>
+          </a:xfrm>
+          <a:prstGeom prst="rightArrow">
+            <a:avLst/>
+          </a:prstGeom>
+          <a:solidFill>
+            <a:schemeClr val="accent1">
+              <a:lumMod val="20000"/>
+              <a:lumOff val="80000"/>
+            </a:schemeClr>
+          </a:solidFill>
+          <a:ln>
+            <a:solidFill>
+              <a:srgbClr val="0070C0"/>
+            </a:solidFill>
+          </a:ln>
+        </p:spPr>
+        <p:style>
+          <a:lnRef idx="2">
+            <a:schemeClr val="accent1">
+              <a:shade val="50000"/>
+            </a:schemeClr>
+          </a:lnRef>
+          <a:fillRef idx="1">
+            <a:schemeClr val="accent1"/>
+          </a:fillRef>
+          <a:effectRef idx="0">
+            <a:schemeClr val="accent1"/>
+          </a:effectRef>
+          <a:fontRef idx="minor">
+            <a:schemeClr val="lt1"/>
+          </a:fontRef>
+        </p:style>
+        <p:txBody>
+          <a:bodyPr rtlCol="0" anchor="ctr"/>
+          <a:lstStyle/>
+          <a:p>
+            <a:pPr algn="ctr"/>
+            <a:r>
+              <a:rPr kumimoji="1" lang="ja-JP" altLang="en-US" b="1" dirty="0" smtClean="0">
+                <a:solidFill>
+                  <a:schemeClr val="tx1"/>
+                </a:solidFill>
+              </a:rPr>
+              <a:t>ソフトウェア科学の研究</a:t>
+            </a:r>
+            <a:endParaRPr kumimoji="1" lang="ja-JP" altLang="en-US" b="1" dirty="0">
+              <a:solidFill>
+                <a:schemeClr val="tx1"/>
+              </a:solidFill>
+            </a:endParaRPr>
+          </a:p>
+        </p:txBody>
+      </p:sp>
+      <p:sp>
+        <p:nvSpPr>
+          <p:cNvPr id="29" name="右矢印 28"/>
+          <p:cNvSpPr/>
+          <p:nvPr/>
+        </p:nvSpPr>
+        <p:spPr>
+          <a:xfrm>
+            <a:off x="3203848" y="3960256"/>
+            <a:ext cx="2384914" cy="692880"/>
+          </a:xfrm>
+          <a:prstGeom prst="rightArrow">
+            <a:avLst/>
+          </a:prstGeom>
+          <a:noFill/>
+          <a:ln>
+            <a:solidFill>
+              <a:srgbClr val="0070C0"/>
+            </a:solidFill>
+            <a:prstDash val="dash"/>
+          </a:ln>
+        </p:spPr>
+        <p:style>
+          <a:lnRef idx="2">
+            <a:schemeClr val="accent1">
+              <a:shade val="50000"/>
+            </a:schemeClr>
+          </a:lnRef>
+          <a:fillRef idx="1">
+            <a:schemeClr val="accent1"/>
+          </a:fillRef>
+          <a:effectRef idx="0">
+            <a:schemeClr val="accent1"/>
+          </a:effectRef>
+          <a:fontRef idx="minor">
+            <a:schemeClr val="lt1"/>
+          </a:fontRef>
+        </p:style>
+        <p:txBody>
+          <a:bodyPr rtlCol="0" anchor="ctr"/>
+          <a:lstStyle/>
+          <a:p>
+            <a:pPr algn="ctr"/>
+            <a:r>
+              <a:rPr kumimoji="1" lang="ja-JP" altLang="en-US" b="1" dirty="0" smtClean="0">
+                <a:solidFill>
+                  <a:schemeClr val="tx1"/>
+                </a:solidFill>
+              </a:rPr>
+              <a:t>ギャップ</a:t>
+            </a:r>
+            <a:endParaRPr kumimoji="1" lang="ja-JP" altLang="en-US" b="1" dirty="0">
+              <a:solidFill>
+                <a:schemeClr val="tx1"/>
+              </a:solidFill>
+            </a:endParaRPr>
+          </a:p>
+        </p:txBody>
+      </p:sp>
+      <p:sp>
+        <p:nvSpPr>
+          <p:cNvPr id="30" name="テキスト ボックス 29"/>
+          <p:cNvSpPr txBox="1"/>
+          <p:nvPr/>
+        </p:nvSpPr>
+        <p:spPr>
+          <a:xfrm>
+            <a:off x="2771800" y="4726885"/>
+            <a:ext cx="2232249" cy="646331"/>
+          </a:xfrm>
+          <a:prstGeom prst="rect">
+            <a:avLst/>
+          </a:prstGeom>
+          <a:noFill/>
+        </p:spPr>
+        <p:txBody>
+          <a:bodyPr wrap="square" rtlCol="0">
+            <a:spAutoFit/>
+          </a:bodyPr>
+          <a:lstStyle/>
+          <a:p>
+            <a:pPr algn="ctr"/>
+            <a:r>
+              <a:rPr lang="ja-JP" altLang="en-US" dirty="0"/>
+              <a:t>オブジェクト</a:t>
+            </a:r>
+            <a:r>
+              <a:rPr lang="ja-JP" altLang="en-US" dirty="0" smtClean="0"/>
+              <a:t>指向型</a:t>
+            </a:r>
+            <a:endParaRPr lang="en-US" altLang="ja-JP" dirty="0" smtClean="0"/>
+          </a:p>
+          <a:p>
+            <a:pPr algn="ctr"/>
+            <a:r>
+              <a:rPr kumimoji="1" lang="ja-JP" altLang="en-US" dirty="0"/>
+              <a:t>フレームワーク</a:t>
+            </a:r>
+            <a:endParaRPr kumimoji="1" lang="en-US" altLang="ja-JP" dirty="0" smtClean="0"/>
+          </a:p>
+        </p:txBody>
+      </p:sp>
+      <p:pic>
+        <p:nvPicPr>
+          <p:cNvPr id="1026" name="Picture 2" descr="C:\Users\mito\AppData\Local\Microsoft\Windows\INetCache\IE\4IVWR7FM\Coconut_germinating_on_Black_Sand_Beach,_Island_of_Hawaii[2].jpg"/>
+          <p:cNvPicPr>
+            <a:picLocks noChangeAspect="1" noChangeArrowheads="1"/>
+          </p:cNvPicPr>
+          <p:nvPr/>
+        </p:nvPicPr>
+        <p:blipFill>
+          <a:blip r:embed="rId6" cstate="print">
+            <a:extLst>
+              <a:ext uri="{28A0092B-C50C-407E-A947-70E740481C1C}">
+                <a14:useLocalDpi xmlns:a14="http://schemas.microsoft.com/office/drawing/2010/main" val="0"/>
+              </a:ext>
+            </a:extLst>
+          </a:blip>
+          <a:srcRect/>
+          <a:stretch>
+            <a:fillRect/>
+          </a:stretch>
+        </p:blipFill>
+        <p:spPr bwMode="auto">
+          <a:xfrm>
+            <a:off x="5724128" y="3284984"/>
+            <a:ext cx="583796" cy="778394"/>
+          </a:xfrm>
+          <a:prstGeom prst="rect">
+            <a:avLst/>
+          </a:prstGeom>
+          <a:noFill/>
+          <a:extLst>
+            <a:ext uri="{909E8E84-426E-40DD-AFC4-6F175D3DCCD1}">
+              <a14:hiddenFill xmlns:a14="http://schemas.microsoft.com/office/drawing/2010/main">
+                <a:solidFill>
+                  <a:srgbClr val="FFFFFF"/>
+                </a:solidFill>
+              </a14:hiddenFill>
+            </a:ext>
+          </a:extLst>
+        </p:spPr>
+      </p:pic>
+    </p:spTree>
+    <p:extLst>
+      <p:ext uri="{BB962C8B-B14F-4D97-AF65-F5344CB8AC3E}">
+        <p14:creationId xmlns:p14="http://schemas.microsoft.com/office/powerpoint/2010/main" val="1837896625"/>
       </p:ext>
     </p:extLst>
   </p:cSld>

--- a/doc/source/NoveltyVsUtility.pptx
+++ b/doc/source/NoveltyVsUtility.pptx
@@ -5569,7 +5569,7 @@
         </p:blipFill>
         <p:spPr bwMode="auto">
           <a:xfrm rot="2602655">
-            <a:off x="7374659" y="3503891"/>
+            <a:off x="7086627" y="3517641"/>
             <a:ext cx="550754" cy="309212"/>
           </a:xfrm>
           <a:prstGeom prst="rect">
@@ -5610,7 +5610,7 @@
         </p:blipFill>
         <p:spPr bwMode="auto">
           <a:xfrm rot="5952441">
-            <a:off x="7996706" y="3671542"/>
+            <a:off x="7708674" y="3685292"/>
             <a:ext cx="364549" cy="365262"/>
           </a:xfrm>
           <a:prstGeom prst="rect">
@@ -5719,7 +5719,7 @@
         <p:spPr>
           <a:xfrm>
             <a:off x="3327622" y="2555612"/>
-            <a:ext cx="1316386" cy="369332"/>
+            <a:ext cx="1338828" cy="369332"/>
           </a:xfrm>
           <a:prstGeom prst="rect">
             <a:avLst/>
@@ -5734,7 +5734,7 @@
           <a:p>
             <a:r>
               <a:rPr lang="ja-JP" altLang="en-US" dirty="0"/>
-              <a:t>有用な</a:t>
+              <a:t>一般的</a:t>
             </a:r>
             <a:r>
               <a:rPr lang="ja-JP" altLang="en-US" dirty="0" smtClean="0"/>
@@ -5767,7 +5767,7 @@
           <a:lstStyle/>
           <a:p>
             <a:r>
-              <a:rPr lang="ja-JP" altLang="en-US" dirty="0" smtClean="0"/>
+              <a:rPr lang="ja-JP" altLang="en-US" dirty="0"/>
               <a:t>実用化</a:t>
             </a:r>
             <a:endParaRPr lang="en-US" altLang="ja-JP" dirty="0" smtClean="0"/>
@@ -5829,7 +5829,7 @@
         </p:nvSpPr>
         <p:spPr>
           <a:xfrm>
-            <a:off x="7655277" y="2998693"/>
+            <a:off x="7452320" y="2998693"/>
             <a:ext cx="877163" cy="646331"/>
           </a:xfrm>
           <a:prstGeom prst="rect">
@@ -5905,15 +5905,7 @@
                   <a:srgbClr val="0070C0"/>
                 </a:solidFill>
               </a:rPr>
-              <a:t>領域</a:t>
-            </a:r>
-            <a:r>
-              <a:rPr lang="ja-JP" altLang="en-US" b="1" dirty="0" smtClean="0">
-                <a:solidFill>
-                  <a:srgbClr val="0070C0"/>
-                </a:solidFill>
-              </a:rPr>
-              <a:t>特化言語</a:t>
+              <a:t>領域特化言語</a:t>
             </a:r>
             <a:endParaRPr kumimoji="1" lang="en-US" altLang="ja-JP" b="1" dirty="0" smtClean="0">
               <a:solidFill>

--- a/doc/source/NoveltyVsUtility.pptx
+++ b/doc/source/NoveltyVsUtility.pptx
@@ -5669,9 +5669,520 @@
           </a:extLst>
         </p:spPr>
       </p:pic>
+      <p:sp>
+        <p:nvSpPr>
+          <p:cNvPr id="9" name="テキスト ボックス 8"/>
+          <p:cNvSpPr txBox="1"/>
+          <p:nvPr/>
+        </p:nvSpPr>
+        <p:spPr>
+          <a:xfrm>
+            <a:off x="3327622" y="2555612"/>
+            <a:ext cx="1338828" cy="369332"/>
+          </a:xfrm>
+          <a:prstGeom prst="rect">
+            <a:avLst/>
+          </a:prstGeom>
+          <a:noFill/>
+        </p:spPr>
+        <p:txBody>
+          <a:bodyPr wrap="none" rtlCol="0">
+            <a:spAutoFit/>
+          </a:bodyPr>
+          <a:lstStyle/>
+          <a:p>
+            <a:r>
+              <a:rPr lang="ja-JP" altLang="en-US" dirty="0"/>
+              <a:t>一般的</a:t>
+            </a:r>
+            <a:r>
+              <a:rPr lang="ja-JP" altLang="en-US" dirty="0" smtClean="0"/>
+              <a:t>技術</a:t>
+            </a:r>
+            <a:endParaRPr kumimoji="1" lang="ja-JP" altLang="en-US" dirty="0"/>
+          </a:p>
+        </p:txBody>
+      </p:sp>
+      <p:sp>
+        <p:nvSpPr>
+          <p:cNvPr id="10" name="テキスト ボックス 9"/>
+          <p:cNvSpPr txBox="1"/>
+          <p:nvPr/>
+        </p:nvSpPr>
+        <p:spPr>
+          <a:xfrm>
+            <a:off x="5567045" y="2852936"/>
+            <a:ext cx="877163" cy="369332"/>
+          </a:xfrm>
+          <a:prstGeom prst="rect">
+            <a:avLst/>
+          </a:prstGeom>
+          <a:noFill/>
+        </p:spPr>
+        <p:txBody>
+          <a:bodyPr wrap="none" rtlCol="0">
+            <a:spAutoFit/>
+          </a:bodyPr>
+          <a:lstStyle/>
+          <a:p>
+            <a:r>
+              <a:rPr lang="ja-JP" altLang="en-US" dirty="0"/>
+              <a:t>実用化</a:t>
+            </a:r>
+            <a:endParaRPr lang="en-US" altLang="ja-JP" dirty="0" smtClean="0"/>
+          </a:p>
+        </p:txBody>
+      </p:sp>
+      <p:sp>
+        <p:nvSpPr>
+          <p:cNvPr id="14" name="テキスト ボックス 13"/>
+          <p:cNvSpPr txBox="1"/>
+          <p:nvPr/>
+        </p:nvSpPr>
+        <p:spPr>
+          <a:xfrm>
+            <a:off x="539552" y="4726885"/>
+            <a:ext cx="2232249" cy="646331"/>
+          </a:xfrm>
+          <a:prstGeom prst="rect">
+            <a:avLst/>
+          </a:prstGeom>
+          <a:noFill/>
+        </p:spPr>
+        <p:txBody>
+          <a:bodyPr wrap="square" rtlCol="0">
+            <a:spAutoFit/>
+          </a:bodyPr>
+          <a:lstStyle/>
+          <a:p>
+            <a:pPr algn="ctr"/>
+            <a:r>
+              <a:rPr kumimoji="1" lang="ja-JP" altLang="en-US" dirty="0" smtClean="0"/>
+              <a:t>チューニングされた</a:t>
+            </a:r>
+            <a:endParaRPr kumimoji="1" lang="en-US" altLang="ja-JP" dirty="0" smtClean="0"/>
+          </a:p>
+          <a:p>
+            <a:pPr algn="ctr"/>
+            <a:r>
+              <a:rPr kumimoji="1" lang="ja-JP" altLang="en-US" b="1" dirty="0" smtClean="0">
+                <a:solidFill>
+                  <a:srgbClr val="FF0000"/>
+                </a:solidFill>
+              </a:rPr>
+              <a:t>ライブラリ</a:t>
+            </a:r>
+            <a:endParaRPr kumimoji="1" lang="en-US" altLang="ja-JP" b="1" dirty="0" smtClean="0">
+              <a:solidFill>
+                <a:srgbClr val="FF0000"/>
+              </a:solidFill>
+            </a:endParaRPr>
+          </a:p>
+        </p:txBody>
+      </p:sp>
+      <p:sp>
+        <p:nvSpPr>
+          <p:cNvPr id="16" name="テキスト ボックス 15"/>
+          <p:cNvSpPr txBox="1"/>
+          <p:nvPr/>
+        </p:nvSpPr>
+        <p:spPr>
+          <a:xfrm>
+            <a:off x="7452320" y="2998693"/>
+            <a:ext cx="877163" cy="646331"/>
+          </a:xfrm>
+          <a:prstGeom prst="rect">
+            <a:avLst/>
+          </a:prstGeom>
+          <a:noFill/>
+        </p:spPr>
+        <p:txBody>
+          <a:bodyPr wrap="none" rtlCol="0">
+            <a:spAutoFit/>
+          </a:bodyPr>
+          <a:lstStyle/>
+          <a:p>
+            <a:pPr algn="ctr"/>
+            <a:r>
+              <a:rPr lang="ja-JP" altLang="en-US" dirty="0"/>
+              <a:t>技術</a:t>
+            </a:r>
+            <a:r>
+              <a:rPr lang="ja-JP" altLang="en-US" dirty="0" smtClean="0"/>
+              <a:t>の</a:t>
+            </a:r>
+            <a:endParaRPr lang="en-US" altLang="ja-JP" dirty="0" smtClean="0"/>
+          </a:p>
+          <a:p>
+            <a:pPr algn="ctr"/>
+            <a:r>
+              <a:rPr lang="ja-JP" altLang="en-US" dirty="0" smtClean="0"/>
+              <a:t>限界</a:t>
+            </a:r>
+            <a:endParaRPr lang="en-US" altLang="ja-JP" dirty="0" smtClean="0"/>
+          </a:p>
+        </p:txBody>
+      </p:sp>
+      <p:sp>
+        <p:nvSpPr>
+          <p:cNvPr id="17" name="テキスト ボックス 16"/>
+          <p:cNvSpPr txBox="1"/>
+          <p:nvPr/>
+        </p:nvSpPr>
+        <p:spPr>
+          <a:xfrm>
+            <a:off x="5004048" y="4726885"/>
+            <a:ext cx="2607753" cy="646331"/>
+          </a:xfrm>
+          <a:prstGeom prst="rect">
+            <a:avLst/>
+          </a:prstGeom>
+          <a:noFill/>
+        </p:spPr>
+        <p:txBody>
+          <a:bodyPr wrap="square" rtlCol="0">
+            <a:spAutoFit/>
+          </a:bodyPr>
+          <a:lstStyle/>
+          <a:p>
+            <a:pPr algn="ctr"/>
+            <a:r>
+              <a:rPr lang="ja-JP" altLang="en-US" dirty="0"/>
+              <a:t>自動並列化</a:t>
+            </a:r>
+            <a:r>
+              <a:rPr kumimoji="1" lang="ja-JP" altLang="en-US" dirty="0" smtClean="0"/>
+              <a:t>のための</a:t>
+            </a:r>
+            <a:endParaRPr kumimoji="1" lang="en-US" altLang="ja-JP" dirty="0" smtClean="0"/>
+          </a:p>
+          <a:p>
+            <a:pPr algn="ctr"/>
+            <a:r>
+              <a:rPr lang="ja-JP" altLang="en-US" b="1" dirty="0" smtClean="0">
+                <a:solidFill>
+                  <a:srgbClr val="0070C0"/>
+                </a:solidFill>
+              </a:rPr>
+              <a:t>領域特化言語</a:t>
+            </a:r>
+            <a:endParaRPr kumimoji="1" lang="en-US" altLang="ja-JP" b="1" dirty="0" smtClean="0">
+              <a:solidFill>
+                <a:srgbClr val="0070C0"/>
+              </a:solidFill>
+            </a:endParaRPr>
+          </a:p>
+        </p:txBody>
+      </p:sp>
+      <p:sp>
+        <p:nvSpPr>
+          <p:cNvPr id="18" name="テキスト ボックス 17"/>
+          <p:cNvSpPr txBox="1"/>
+          <p:nvPr/>
+        </p:nvSpPr>
+        <p:spPr>
+          <a:xfrm>
+            <a:off x="971600" y="2411596"/>
+            <a:ext cx="1338828" cy="369332"/>
+          </a:xfrm>
+          <a:prstGeom prst="rect">
+            <a:avLst/>
+          </a:prstGeom>
+          <a:noFill/>
+        </p:spPr>
+        <p:txBody>
+          <a:bodyPr wrap="none" rtlCol="0">
+            <a:spAutoFit/>
+          </a:bodyPr>
+          <a:lstStyle/>
+          <a:p>
+            <a:r>
+              <a:rPr lang="ja-JP" altLang="en-US" dirty="0"/>
+              <a:t>伝統的</a:t>
+            </a:r>
+            <a:r>
+              <a:rPr lang="ja-JP" altLang="en-US" dirty="0" smtClean="0"/>
+              <a:t>技術</a:t>
+            </a:r>
+            <a:endParaRPr kumimoji="1" lang="ja-JP" altLang="en-US" dirty="0"/>
+          </a:p>
+        </p:txBody>
+      </p:sp>
+      <p:sp>
+        <p:nvSpPr>
+          <p:cNvPr id="19" name="角丸四角形 18"/>
+          <p:cNvSpPr/>
+          <p:nvPr/>
+        </p:nvSpPr>
+        <p:spPr>
+          <a:xfrm>
+            <a:off x="251520" y="2132856"/>
+            <a:ext cx="8640960" cy="3528392"/>
+          </a:xfrm>
+          <a:prstGeom prst="roundRect">
+            <a:avLst/>
+          </a:prstGeom>
+          <a:noFill/>
+          <a:ln>
+            <a:prstDash val="dash"/>
+          </a:ln>
+        </p:spPr>
+        <p:style>
+          <a:lnRef idx="2">
+            <a:schemeClr val="accent1">
+              <a:shade val="50000"/>
+            </a:schemeClr>
+          </a:lnRef>
+          <a:fillRef idx="1">
+            <a:schemeClr val="accent1"/>
+          </a:fillRef>
+          <a:effectRef idx="0">
+            <a:schemeClr val="accent1"/>
+          </a:effectRef>
+          <a:fontRef idx="minor">
+            <a:schemeClr val="lt1"/>
+          </a:fontRef>
+        </p:style>
+        <p:txBody>
+          <a:bodyPr rtlCol="0" anchor="ctr"/>
+          <a:lstStyle/>
+          <a:p>
+            <a:pPr algn="ctr"/>
+            <a:endParaRPr kumimoji="1" lang="ja-JP" altLang="en-US"/>
+          </a:p>
+        </p:txBody>
+      </p:sp>
+      <p:sp>
+        <p:nvSpPr>
+          <p:cNvPr id="20" name="右矢印 19"/>
+          <p:cNvSpPr/>
+          <p:nvPr/>
+        </p:nvSpPr>
+        <p:spPr>
+          <a:xfrm>
+            <a:off x="467544" y="3933056"/>
+            <a:ext cx="2664296" cy="692880"/>
+          </a:xfrm>
+          <a:prstGeom prst="rightArrow">
+            <a:avLst/>
+          </a:prstGeom>
+          <a:solidFill>
+            <a:schemeClr val="accent1">
+              <a:lumMod val="20000"/>
+              <a:lumOff val="80000"/>
+            </a:schemeClr>
+          </a:solidFill>
+          <a:ln>
+            <a:solidFill>
+              <a:srgbClr val="0070C0"/>
+            </a:solidFill>
+          </a:ln>
+        </p:spPr>
+        <p:style>
+          <a:lnRef idx="2">
+            <a:schemeClr val="accent1">
+              <a:shade val="50000"/>
+            </a:schemeClr>
+          </a:lnRef>
+          <a:fillRef idx="1">
+            <a:schemeClr val="accent1"/>
+          </a:fillRef>
+          <a:effectRef idx="0">
+            <a:schemeClr val="accent1"/>
+          </a:effectRef>
+          <a:fontRef idx="minor">
+            <a:schemeClr val="lt1"/>
+          </a:fontRef>
+        </p:style>
+        <p:txBody>
+          <a:bodyPr rtlCol="0" anchor="ctr"/>
+          <a:lstStyle/>
+          <a:p>
+            <a:pPr algn="ctr"/>
+            <a:r>
+              <a:rPr kumimoji="1" lang="ja-JP" altLang="en-US" b="1" dirty="0" smtClean="0">
+                <a:solidFill>
+                  <a:schemeClr val="tx1"/>
+                </a:solidFill>
+              </a:rPr>
+              <a:t>ソフトウェア工学の利用</a:t>
+            </a:r>
+            <a:endParaRPr kumimoji="1" lang="ja-JP" altLang="en-US" b="1" dirty="0">
+              <a:solidFill>
+                <a:schemeClr val="tx1"/>
+              </a:solidFill>
+            </a:endParaRPr>
+          </a:p>
+        </p:txBody>
+      </p:sp>
+      <p:sp>
+        <p:nvSpPr>
+          <p:cNvPr id="28" name="右矢印 27"/>
+          <p:cNvSpPr/>
+          <p:nvPr/>
+        </p:nvSpPr>
+        <p:spPr>
+          <a:xfrm>
+            <a:off x="5724128" y="3960256"/>
+            <a:ext cx="2752499" cy="692880"/>
+          </a:xfrm>
+          <a:prstGeom prst="rightArrow">
+            <a:avLst/>
+          </a:prstGeom>
+          <a:solidFill>
+            <a:schemeClr val="accent1">
+              <a:lumMod val="20000"/>
+              <a:lumOff val="80000"/>
+            </a:schemeClr>
+          </a:solidFill>
+          <a:ln>
+            <a:solidFill>
+              <a:srgbClr val="0070C0"/>
+            </a:solidFill>
+          </a:ln>
+        </p:spPr>
+        <p:style>
+          <a:lnRef idx="2">
+            <a:schemeClr val="accent1">
+              <a:shade val="50000"/>
+            </a:schemeClr>
+          </a:lnRef>
+          <a:fillRef idx="1">
+            <a:schemeClr val="accent1"/>
+          </a:fillRef>
+          <a:effectRef idx="0">
+            <a:schemeClr val="accent1"/>
+          </a:effectRef>
+          <a:fontRef idx="minor">
+            <a:schemeClr val="lt1"/>
+          </a:fontRef>
+        </p:style>
+        <p:txBody>
+          <a:bodyPr rtlCol="0" anchor="ctr"/>
+          <a:lstStyle/>
+          <a:p>
+            <a:pPr algn="ctr"/>
+            <a:r>
+              <a:rPr kumimoji="1" lang="ja-JP" altLang="en-US" b="1" dirty="0" smtClean="0">
+                <a:solidFill>
+                  <a:schemeClr val="tx1"/>
+                </a:solidFill>
+              </a:rPr>
+              <a:t>ソフトウェア科学の研究</a:t>
+            </a:r>
+            <a:endParaRPr kumimoji="1" lang="ja-JP" altLang="en-US" b="1" dirty="0">
+              <a:solidFill>
+                <a:schemeClr val="tx1"/>
+              </a:solidFill>
+            </a:endParaRPr>
+          </a:p>
+        </p:txBody>
+      </p:sp>
+      <p:sp>
+        <p:nvSpPr>
+          <p:cNvPr id="29" name="右矢印 28"/>
+          <p:cNvSpPr/>
+          <p:nvPr/>
+        </p:nvSpPr>
+        <p:spPr>
+          <a:xfrm>
+            <a:off x="3203848" y="3960256"/>
+            <a:ext cx="2384914" cy="692880"/>
+          </a:xfrm>
+          <a:prstGeom prst="rightArrow">
+            <a:avLst/>
+          </a:prstGeom>
+          <a:noFill/>
+          <a:ln>
+            <a:solidFill>
+              <a:srgbClr val="0070C0"/>
+            </a:solidFill>
+            <a:prstDash val="dash"/>
+          </a:ln>
+        </p:spPr>
+        <p:style>
+          <a:lnRef idx="2">
+            <a:schemeClr val="accent1">
+              <a:shade val="50000"/>
+            </a:schemeClr>
+          </a:lnRef>
+          <a:fillRef idx="1">
+            <a:schemeClr val="accent1"/>
+          </a:fillRef>
+          <a:effectRef idx="0">
+            <a:schemeClr val="accent1"/>
+          </a:effectRef>
+          <a:fontRef idx="minor">
+            <a:schemeClr val="lt1"/>
+          </a:fontRef>
+        </p:style>
+        <p:txBody>
+          <a:bodyPr rtlCol="0" anchor="ctr"/>
+          <a:lstStyle/>
+          <a:p>
+            <a:pPr algn="ctr"/>
+            <a:r>
+              <a:rPr kumimoji="1" lang="ja-JP" altLang="en-US" b="1" dirty="0" smtClean="0">
+                <a:solidFill>
+                  <a:schemeClr val="tx1"/>
+                </a:solidFill>
+              </a:rPr>
+              <a:t>ギャップ</a:t>
+            </a:r>
+            <a:endParaRPr kumimoji="1" lang="ja-JP" altLang="en-US" b="1" dirty="0">
+              <a:solidFill>
+                <a:schemeClr val="tx1"/>
+              </a:solidFill>
+            </a:endParaRPr>
+          </a:p>
+        </p:txBody>
+      </p:sp>
+      <p:sp>
+        <p:nvSpPr>
+          <p:cNvPr id="30" name="テキスト ボックス 29"/>
+          <p:cNvSpPr txBox="1"/>
+          <p:nvPr/>
+        </p:nvSpPr>
+        <p:spPr>
+          <a:xfrm>
+            <a:off x="2771800" y="4726885"/>
+            <a:ext cx="2232249" cy="646331"/>
+          </a:xfrm>
+          <a:prstGeom prst="rect">
+            <a:avLst/>
+          </a:prstGeom>
+          <a:noFill/>
+        </p:spPr>
+        <p:txBody>
+          <a:bodyPr wrap="square" rtlCol="0">
+            <a:spAutoFit/>
+          </a:bodyPr>
+          <a:lstStyle/>
+          <a:p>
+            <a:pPr algn="ctr"/>
+            <a:r>
+              <a:rPr lang="ja-JP" altLang="en-US" dirty="0"/>
+              <a:t>オブジェクト</a:t>
+            </a:r>
+            <a:r>
+              <a:rPr lang="ja-JP" altLang="en-US" dirty="0" smtClean="0"/>
+              <a:t>指向型</a:t>
+            </a:r>
+            <a:endParaRPr lang="en-US" altLang="ja-JP" dirty="0" smtClean="0"/>
+          </a:p>
+          <a:p>
+            <a:pPr algn="ctr"/>
+            <a:r>
+              <a:rPr kumimoji="1" lang="ja-JP" altLang="en-US" dirty="0"/>
+              <a:t>フレームワーク</a:t>
+            </a:r>
+            <a:endParaRPr kumimoji="1" lang="en-US" altLang="ja-JP" dirty="0" smtClean="0"/>
+          </a:p>
+        </p:txBody>
+      </p:sp>
       <p:pic>
         <p:nvPicPr>
-          <p:cNvPr id="8" name="Picture 7" descr="C:\Users\mito\AppData\Local\Microsoft\Windows\INetCache\IE\4IVWR7FM\DSC_0161[1].JPG"/>
+          <p:cNvPr id="1026" name="Picture 2" descr="C:\Users\mito\AppData\Local\Microsoft\Windows\INetCache\IE\4IVWR7FM\Coconut_germinating_on_Black_Sand_Beach,_Island_of_Hawaii[2].jpg"/>
           <p:cNvPicPr>
             <a:picLocks noChangeAspect="1" noChangeArrowheads="1"/>
           </p:cNvPicPr>
@@ -5692,8 +6203,8 @@
         </p:blipFill>
         <p:spPr bwMode="auto">
           <a:xfrm>
-            <a:off x="755576" y="2829666"/>
-            <a:ext cx="1728192" cy="1156809"/>
+            <a:off x="5724128" y="3284984"/>
+            <a:ext cx="583796" cy="778394"/>
           </a:xfrm>
           <a:prstGeom prst="rect">
             <a:avLst/>
@@ -5710,516 +6221,9 @@
           </a:extLst>
         </p:spPr>
       </p:pic>
-      <p:sp>
-        <p:nvSpPr>
-          <p:cNvPr id="9" name="テキスト ボックス 8"/>
-          <p:cNvSpPr txBox="1"/>
-          <p:nvPr/>
-        </p:nvSpPr>
-        <p:spPr>
-          <a:xfrm>
-            <a:off x="3327622" y="2555612"/>
-            <a:ext cx="1338828" cy="369332"/>
-          </a:xfrm>
-          <a:prstGeom prst="rect">
-            <a:avLst/>
-          </a:prstGeom>
-          <a:noFill/>
-        </p:spPr>
-        <p:txBody>
-          <a:bodyPr wrap="none" rtlCol="0">
-            <a:spAutoFit/>
-          </a:bodyPr>
-          <a:lstStyle/>
-          <a:p>
-            <a:r>
-              <a:rPr lang="ja-JP" altLang="en-US" dirty="0"/>
-              <a:t>一般的</a:t>
-            </a:r>
-            <a:r>
-              <a:rPr lang="ja-JP" altLang="en-US" dirty="0" smtClean="0"/>
-              <a:t>技術</a:t>
-            </a:r>
-            <a:endParaRPr kumimoji="1" lang="ja-JP" altLang="en-US" dirty="0"/>
-          </a:p>
-        </p:txBody>
-      </p:sp>
-      <p:sp>
-        <p:nvSpPr>
-          <p:cNvPr id="10" name="テキスト ボックス 9"/>
-          <p:cNvSpPr txBox="1"/>
-          <p:nvPr/>
-        </p:nvSpPr>
-        <p:spPr>
-          <a:xfrm>
-            <a:off x="5567045" y="2852936"/>
-            <a:ext cx="877163" cy="369332"/>
-          </a:xfrm>
-          <a:prstGeom prst="rect">
-            <a:avLst/>
-          </a:prstGeom>
-          <a:noFill/>
-        </p:spPr>
-        <p:txBody>
-          <a:bodyPr wrap="none" rtlCol="0">
-            <a:spAutoFit/>
-          </a:bodyPr>
-          <a:lstStyle/>
-          <a:p>
-            <a:r>
-              <a:rPr lang="ja-JP" altLang="en-US" dirty="0"/>
-              <a:t>実用化</a:t>
-            </a:r>
-            <a:endParaRPr lang="en-US" altLang="ja-JP" dirty="0" smtClean="0"/>
-          </a:p>
-        </p:txBody>
-      </p:sp>
-      <p:sp>
-        <p:nvSpPr>
-          <p:cNvPr id="14" name="テキスト ボックス 13"/>
-          <p:cNvSpPr txBox="1"/>
-          <p:nvPr/>
-        </p:nvSpPr>
-        <p:spPr>
-          <a:xfrm>
-            <a:off x="539552" y="4726885"/>
-            <a:ext cx="2232249" cy="646331"/>
-          </a:xfrm>
-          <a:prstGeom prst="rect">
-            <a:avLst/>
-          </a:prstGeom>
-          <a:noFill/>
-        </p:spPr>
-        <p:txBody>
-          <a:bodyPr wrap="square" rtlCol="0">
-            <a:spAutoFit/>
-          </a:bodyPr>
-          <a:lstStyle/>
-          <a:p>
-            <a:pPr algn="ctr"/>
-            <a:r>
-              <a:rPr kumimoji="1" lang="ja-JP" altLang="en-US" dirty="0" smtClean="0"/>
-              <a:t>チューニングされた</a:t>
-            </a:r>
-            <a:endParaRPr kumimoji="1" lang="en-US" altLang="ja-JP" dirty="0" smtClean="0"/>
-          </a:p>
-          <a:p>
-            <a:pPr algn="ctr"/>
-            <a:r>
-              <a:rPr kumimoji="1" lang="ja-JP" altLang="en-US" b="1" dirty="0" smtClean="0">
-                <a:solidFill>
-                  <a:srgbClr val="FF0000"/>
-                </a:solidFill>
-              </a:rPr>
-              <a:t>ライブラリ</a:t>
-            </a:r>
-            <a:endParaRPr kumimoji="1" lang="en-US" altLang="ja-JP" b="1" dirty="0" smtClean="0">
-              <a:solidFill>
-                <a:srgbClr val="FF0000"/>
-              </a:solidFill>
-            </a:endParaRPr>
-          </a:p>
-        </p:txBody>
-      </p:sp>
-      <p:sp>
-        <p:nvSpPr>
-          <p:cNvPr id="16" name="テキスト ボックス 15"/>
-          <p:cNvSpPr txBox="1"/>
-          <p:nvPr/>
-        </p:nvSpPr>
-        <p:spPr>
-          <a:xfrm>
-            <a:off x="7452320" y="2998693"/>
-            <a:ext cx="877163" cy="646331"/>
-          </a:xfrm>
-          <a:prstGeom prst="rect">
-            <a:avLst/>
-          </a:prstGeom>
-          <a:noFill/>
-        </p:spPr>
-        <p:txBody>
-          <a:bodyPr wrap="none" rtlCol="0">
-            <a:spAutoFit/>
-          </a:bodyPr>
-          <a:lstStyle/>
-          <a:p>
-            <a:pPr algn="ctr"/>
-            <a:r>
-              <a:rPr lang="ja-JP" altLang="en-US" dirty="0"/>
-              <a:t>技術</a:t>
-            </a:r>
-            <a:r>
-              <a:rPr lang="ja-JP" altLang="en-US" dirty="0" smtClean="0"/>
-              <a:t>の</a:t>
-            </a:r>
-            <a:endParaRPr lang="en-US" altLang="ja-JP" dirty="0" smtClean="0"/>
-          </a:p>
-          <a:p>
-            <a:pPr algn="ctr"/>
-            <a:r>
-              <a:rPr lang="ja-JP" altLang="en-US" dirty="0" smtClean="0"/>
-              <a:t>限界</a:t>
-            </a:r>
-            <a:endParaRPr lang="en-US" altLang="ja-JP" dirty="0" smtClean="0"/>
-          </a:p>
-        </p:txBody>
-      </p:sp>
-      <p:sp>
-        <p:nvSpPr>
-          <p:cNvPr id="17" name="テキスト ボックス 16"/>
-          <p:cNvSpPr txBox="1"/>
-          <p:nvPr/>
-        </p:nvSpPr>
-        <p:spPr>
-          <a:xfrm>
-            <a:off x="5004048" y="4726885"/>
-            <a:ext cx="2607753" cy="646331"/>
-          </a:xfrm>
-          <a:prstGeom prst="rect">
-            <a:avLst/>
-          </a:prstGeom>
-          <a:noFill/>
-        </p:spPr>
-        <p:txBody>
-          <a:bodyPr wrap="square" rtlCol="0">
-            <a:spAutoFit/>
-          </a:bodyPr>
-          <a:lstStyle/>
-          <a:p>
-            <a:pPr algn="ctr"/>
-            <a:r>
-              <a:rPr lang="ja-JP" altLang="en-US" dirty="0"/>
-              <a:t>自動並列化</a:t>
-            </a:r>
-            <a:r>
-              <a:rPr kumimoji="1" lang="ja-JP" altLang="en-US" dirty="0" smtClean="0"/>
-              <a:t>のための</a:t>
-            </a:r>
-            <a:endParaRPr kumimoji="1" lang="en-US" altLang="ja-JP" dirty="0" smtClean="0"/>
-          </a:p>
-          <a:p>
-            <a:pPr algn="ctr"/>
-            <a:r>
-              <a:rPr lang="ja-JP" altLang="en-US" b="1" dirty="0" smtClean="0">
-                <a:solidFill>
-                  <a:srgbClr val="0070C0"/>
-                </a:solidFill>
-              </a:rPr>
-              <a:t>領域特化言語</a:t>
-            </a:r>
-            <a:endParaRPr kumimoji="1" lang="en-US" altLang="ja-JP" b="1" dirty="0" smtClean="0">
-              <a:solidFill>
-                <a:srgbClr val="0070C0"/>
-              </a:solidFill>
-            </a:endParaRPr>
-          </a:p>
-        </p:txBody>
-      </p:sp>
-      <p:sp>
-        <p:nvSpPr>
-          <p:cNvPr id="18" name="テキスト ボックス 17"/>
-          <p:cNvSpPr txBox="1"/>
-          <p:nvPr/>
-        </p:nvSpPr>
-        <p:spPr>
-          <a:xfrm>
-            <a:off x="802532" y="2411596"/>
-            <a:ext cx="1321196" cy="369332"/>
-          </a:xfrm>
-          <a:prstGeom prst="rect">
-            <a:avLst/>
-          </a:prstGeom>
-          <a:noFill/>
-        </p:spPr>
-        <p:txBody>
-          <a:bodyPr wrap="none" rtlCol="0">
-            <a:spAutoFit/>
-          </a:bodyPr>
-          <a:lstStyle/>
-          <a:p>
-            <a:r>
-              <a:rPr lang="ja-JP" altLang="en-US" dirty="0" smtClean="0"/>
-              <a:t>枯れた技術</a:t>
-            </a:r>
-            <a:endParaRPr kumimoji="1" lang="ja-JP" altLang="en-US" dirty="0"/>
-          </a:p>
-        </p:txBody>
-      </p:sp>
-      <p:sp>
-        <p:nvSpPr>
-          <p:cNvPr id="19" name="角丸四角形 18"/>
-          <p:cNvSpPr/>
-          <p:nvPr/>
-        </p:nvSpPr>
-        <p:spPr>
-          <a:xfrm>
-            <a:off x="251520" y="2132856"/>
-            <a:ext cx="8640960" cy="3528392"/>
-          </a:xfrm>
-          <a:prstGeom prst="roundRect">
-            <a:avLst/>
-          </a:prstGeom>
-          <a:noFill/>
-          <a:ln>
-            <a:prstDash val="dash"/>
-          </a:ln>
-        </p:spPr>
-        <p:style>
-          <a:lnRef idx="2">
-            <a:schemeClr val="accent1">
-              <a:shade val="50000"/>
-            </a:schemeClr>
-          </a:lnRef>
-          <a:fillRef idx="1">
-            <a:schemeClr val="accent1"/>
-          </a:fillRef>
-          <a:effectRef idx="0">
-            <a:schemeClr val="accent1"/>
-          </a:effectRef>
-          <a:fontRef idx="minor">
-            <a:schemeClr val="lt1"/>
-          </a:fontRef>
-        </p:style>
-        <p:txBody>
-          <a:bodyPr rtlCol="0" anchor="ctr"/>
-          <a:lstStyle/>
-          <a:p>
-            <a:pPr algn="ctr"/>
-            <a:endParaRPr kumimoji="1" lang="ja-JP" altLang="en-US"/>
-          </a:p>
-        </p:txBody>
-      </p:sp>
-      <p:sp>
-        <p:nvSpPr>
-          <p:cNvPr id="20" name="右矢印 19"/>
-          <p:cNvSpPr/>
-          <p:nvPr/>
-        </p:nvSpPr>
-        <p:spPr>
-          <a:xfrm>
-            <a:off x="467544" y="3933056"/>
-            <a:ext cx="2664296" cy="692880"/>
-          </a:xfrm>
-          <a:prstGeom prst="rightArrow">
-            <a:avLst/>
-          </a:prstGeom>
-          <a:solidFill>
-            <a:schemeClr val="accent1">
-              <a:lumMod val="20000"/>
-              <a:lumOff val="80000"/>
-            </a:schemeClr>
-          </a:solidFill>
-          <a:ln>
-            <a:solidFill>
-              <a:srgbClr val="0070C0"/>
-            </a:solidFill>
-          </a:ln>
-        </p:spPr>
-        <p:style>
-          <a:lnRef idx="2">
-            <a:schemeClr val="accent1">
-              <a:shade val="50000"/>
-            </a:schemeClr>
-          </a:lnRef>
-          <a:fillRef idx="1">
-            <a:schemeClr val="accent1"/>
-          </a:fillRef>
-          <a:effectRef idx="0">
-            <a:schemeClr val="accent1"/>
-          </a:effectRef>
-          <a:fontRef idx="minor">
-            <a:schemeClr val="lt1"/>
-          </a:fontRef>
-        </p:style>
-        <p:txBody>
-          <a:bodyPr rtlCol="0" anchor="ctr"/>
-          <a:lstStyle/>
-          <a:p>
-            <a:pPr algn="ctr"/>
-            <a:r>
-              <a:rPr kumimoji="1" lang="ja-JP" altLang="en-US" b="1" dirty="0" smtClean="0">
-                <a:solidFill>
-                  <a:schemeClr val="tx1"/>
-                </a:solidFill>
-              </a:rPr>
-              <a:t>ソフトウェア工学の利用</a:t>
-            </a:r>
-            <a:endParaRPr kumimoji="1" lang="ja-JP" altLang="en-US" b="1" dirty="0">
-              <a:solidFill>
-                <a:schemeClr val="tx1"/>
-              </a:solidFill>
-            </a:endParaRPr>
-          </a:p>
-        </p:txBody>
-      </p:sp>
-      <p:sp>
-        <p:nvSpPr>
-          <p:cNvPr id="28" name="右矢印 27"/>
-          <p:cNvSpPr/>
-          <p:nvPr/>
-        </p:nvSpPr>
-        <p:spPr>
-          <a:xfrm>
-            <a:off x="5724128" y="3960256"/>
-            <a:ext cx="2752499" cy="692880"/>
-          </a:xfrm>
-          <a:prstGeom prst="rightArrow">
-            <a:avLst/>
-          </a:prstGeom>
-          <a:solidFill>
-            <a:schemeClr val="accent1">
-              <a:lumMod val="20000"/>
-              <a:lumOff val="80000"/>
-            </a:schemeClr>
-          </a:solidFill>
-          <a:ln>
-            <a:solidFill>
-              <a:srgbClr val="0070C0"/>
-            </a:solidFill>
-          </a:ln>
-        </p:spPr>
-        <p:style>
-          <a:lnRef idx="2">
-            <a:schemeClr val="accent1">
-              <a:shade val="50000"/>
-            </a:schemeClr>
-          </a:lnRef>
-          <a:fillRef idx="1">
-            <a:schemeClr val="accent1"/>
-          </a:fillRef>
-          <a:effectRef idx="0">
-            <a:schemeClr val="accent1"/>
-          </a:effectRef>
-          <a:fontRef idx="minor">
-            <a:schemeClr val="lt1"/>
-          </a:fontRef>
-        </p:style>
-        <p:txBody>
-          <a:bodyPr rtlCol="0" anchor="ctr"/>
-          <a:lstStyle/>
-          <a:p>
-            <a:pPr algn="ctr"/>
-            <a:r>
-              <a:rPr kumimoji="1" lang="ja-JP" altLang="en-US" b="1" dirty="0" smtClean="0">
-                <a:solidFill>
-                  <a:schemeClr val="tx1"/>
-                </a:solidFill>
-              </a:rPr>
-              <a:t>ソフトウェア科学の研究</a:t>
-            </a:r>
-            <a:endParaRPr kumimoji="1" lang="ja-JP" altLang="en-US" b="1" dirty="0">
-              <a:solidFill>
-                <a:schemeClr val="tx1"/>
-              </a:solidFill>
-            </a:endParaRPr>
-          </a:p>
-        </p:txBody>
-      </p:sp>
-      <p:sp>
-        <p:nvSpPr>
-          <p:cNvPr id="29" name="右矢印 28"/>
-          <p:cNvSpPr/>
-          <p:nvPr/>
-        </p:nvSpPr>
-        <p:spPr>
-          <a:xfrm>
-            <a:off x="3203848" y="3960256"/>
-            <a:ext cx="2384914" cy="692880"/>
-          </a:xfrm>
-          <a:prstGeom prst="rightArrow">
-            <a:avLst/>
-          </a:prstGeom>
-          <a:noFill/>
-          <a:ln>
-            <a:solidFill>
-              <a:srgbClr val="0070C0"/>
-            </a:solidFill>
-            <a:prstDash val="dash"/>
-          </a:ln>
-        </p:spPr>
-        <p:style>
-          <a:lnRef idx="2">
-            <a:schemeClr val="accent1">
-              <a:shade val="50000"/>
-            </a:schemeClr>
-          </a:lnRef>
-          <a:fillRef idx="1">
-            <a:schemeClr val="accent1"/>
-          </a:fillRef>
-          <a:effectRef idx="0">
-            <a:schemeClr val="accent1"/>
-          </a:effectRef>
-          <a:fontRef idx="minor">
-            <a:schemeClr val="lt1"/>
-          </a:fontRef>
-        </p:style>
-        <p:txBody>
-          <a:bodyPr rtlCol="0" anchor="ctr"/>
-          <a:lstStyle/>
-          <a:p>
-            <a:pPr algn="ctr"/>
-            <a:r>
-              <a:rPr kumimoji="1" lang="ja-JP" altLang="en-US" b="1" dirty="0" smtClean="0">
-                <a:solidFill>
-                  <a:schemeClr val="tx1"/>
-                </a:solidFill>
-              </a:rPr>
-              <a:t>ギャップ</a:t>
-            </a:r>
-            <a:endParaRPr kumimoji="1" lang="ja-JP" altLang="en-US" b="1" dirty="0">
-              <a:solidFill>
-                <a:schemeClr val="tx1"/>
-              </a:solidFill>
-            </a:endParaRPr>
-          </a:p>
-        </p:txBody>
-      </p:sp>
-      <p:sp>
-        <p:nvSpPr>
-          <p:cNvPr id="30" name="テキスト ボックス 29"/>
-          <p:cNvSpPr txBox="1"/>
-          <p:nvPr/>
-        </p:nvSpPr>
-        <p:spPr>
-          <a:xfrm>
-            <a:off x="2771800" y="4726885"/>
-            <a:ext cx="2232249" cy="646331"/>
-          </a:xfrm>
-          <a:prstGeom prst="rect">
-            <a:avLst/>
-          </a:prstGeom>
-          <a:noFill/>
-        </p:spPr>
-        <p:txBody>
-          <a:bodyPr wrap="square" rtlCol="0">
-            <a:spAutoFit/>
-          </a:bodyPr>
-          <a:lstStyle/>
-          <a:p>
-            <a:pPr algn="ctr"/>
-            <a:r>
-              <a:rPr lang="ja-JP" altLang="en-US" dirty="0"/>
-              <a:t>オブジェクト</a:t>
-            </a:r>
-            <a:r>
-              <a:rPr lang="ja-JP" altLang="en-US" dirty="0" smtClean="0"/>
-              <a:t>指向型</a:t>
-            </a:r>
-            <a:endParaRPr lang="en-US" altLang="ja-JP" dirty="0" smtClean="0"/>
-          </a:p>
-          <a:p>
-            <a:pPr algn="ctr"/>
-            <a:r>
-              <a:rPr kumimoji="1" lang="ja-JP" altLang="en-US" dirty="0"/>
-              <a:t>フレームワーク</a:t>
-            </a:r>
-            <a:endParaRPr kumimoji="1" lang="en-US" altLang="ja-JP" dirty="0" smtClean="0"/>
-          </a:p>
-        </p:txBody>
-      </p:sp>
       <p:pic>
         <p:nvPicPr>
-          <p:cNvPr id="1026" name="Picture 2" descr="C:\Users\mito\AppData\Local\Microsoft\Windows\INetCache\IE\4IVWR7FM\Coconut_germinating_on_Black_Sand_Beach,_Island_of_Hawaii[2].jpg"/>
+          <p:cNvPr id="1027" name="Picture 3" descr="C:\Users\mito\AppData\Local\Microsoft\Windows\INetCache\IE\T1AUV8N3\sunlit-autumn-forest[1].jpg"/>
           <p:cNvPicPr>
             <a:picLocks noChangeAspect="1" noChangeArrowheads="1"/>
           </p:cNvPicPr>
@@ -6240,8 +6244,8 @@
         </p:blipFill>
         <p:spPr bwMode="auto">
           <a:xfrm>
-            <a:off x="5724128" y="3284984"/>
-            <a:ext cx="583796" cy="778394"/>
+            <a:off x="683568" y="2780928"/>
+            <a:ext cx="1871270" cy="1247513"/>
           </a:xfrm>
           <a:prstGeom prst="rect">
             <a:avLst/>

--- a/doc/source/NoveltyVsUtility.pptx
+++ b/doc/source/NoveltyVsUtility.pptx
@@ -5758,7 +5758,7 @@
             <a:pPr algn="ctr"/>
             <a:r>
               <a:rPr kumimoji="1" lang="ja-JP" altLang="en-US" dirty="0" smtClean="0"/>
-              <a:t>チューニングされた</a:t>
+              <a:t>サブルーチン</a:t>
             </a:r>
             <a:endParaRPr kumimoji="1" lang="en-US" altLang="ja-JP" dirty="0" smtClean="0"/>
           </a:p>
@@ -5848,11 +5848,7 @@
             <a:pPr algn="ctr"/>
             <a:r>
               <a:rPr lang="ja-JP" altLang="en-US" dirty="0"/>
-              <a:t>自動並列化</a:t>
-            </a:r>
-            <a:r>
-              <a:rPr kumimoji="1" lang="ja-JP" altLang="en-US" dirty="0" smtClean="0"/>
-              <a:t>のための</a:t>
+              <a:t>埋め込み型</a:t>
             </a:r>
             <a:endParaRPr kumimoji="1" lang="en-US" altLang="ja-JP" dirty="0" smtClean="0"/>
           </a:p>

--- a/doc/source/NoveltyVsUtility.pptx
+++ b/doc/source/NoveltyVsUtility.pptx
@@ -6064,7 +6064,15 @@
                   <a:schemeClr val="tx1"/>
                 </a:solidFill>
               </a:rPr>
-              <a:t>ソフトウェア科学の研究</a:t>
+              <a:t>ソフトウェア工学の</a:t>
+            </a:r>
+            <a:r>
+              <a:rPr kumimoji="1" lang="ja-JP" altLang="en-US" b="1" dirty="0" smtClean="0">
+                <a:solidFill>
+                  <a:schemeClr val="tx1"/>
+                </a:solidFill>
+              </a:rPr>
+              <a:t>研究</a:t>
             </a:r>
             <a:endParaRPr kumimoji="1" lang="ja-JP" altLang="en-US" b="1" dirty="0">
               <a:solidFill>
